--- a/project_management/Fable Farm.pptx
+++ b/project_management/Fable Farm.pptx
@@ -2,15 +2,20 @@
 <file path=ppt/presentation.xml><?xml version="1.0" encoding="utf-8"?>
 <p:presentation xmlns:a="http://schemas.openxmlformats.org/drawingml/2006/main" xmlns:r="http://schemas.openxmlformats.org/officeDocument/2006/relationships" xmlns:p="http://schemas.openxmlformats.org/presentationml/2006/main" saveSubsetFonts="1">
   <p:sldMasterIdLst>
-    <p:sldMasterId id="2147483648" r:id="rId1"/>
+    <p:sldMasterId id="2147483756" r:id="rId1"/>
   </p:sldMasterIdLst>
   <p:notesMasterIdLst>
-    <p:notesMasterId r:id="rId5"/>
+    <p:notesMasterId r:id="rId10"/>
   </p:notesMasterIdLst>
   <p:sldIdLst>
-    <p:sldId id="256" r:id="rId2"/>
-    <p:sldId id="257" r:id="rId3"/>
-    <p:sldId id="258" r:id="rId4"/>
+    <p:sldId id="260" r:id="rId2"/>
+    <p:sldId id="256" r:id="rId3"/>
+    <p:sldId id="257" r:id="rId4"/>
+    <p:sldId id="261" r:id="rId5"/>
+    <p:sldId id="262" r:id="rId6"/>
+    <p:sldId id="258" r:id="rId7"/>
+    <p:sldId id="263" r:id="rId8"/>
+    <p:sldId id="264" r:id="rId9"/>
   </p:sldIdLst>
   <p:sldSz cx="12192000" cy="6858000"/>
   <p:notesSz cx="6858000" cy="9144000"/>
@@ -109,6 +114,11 @@
       </a:defRPr>
     </a:lvl9pPr>
   </p:defaultTextStyle>
+  <p:extLst>
+    <p:ext uri="{EFAFB233-063F-42B5-8137-9DF3F51BA10A}">
+      <p15:sldGuideLst xmlns:p15="http://schemas.microsoft.com/office/powerpoint/2012/main"/>
+    </p:ext>
+  </p:extLst>
 </p:presentation>
 </file>
 
@@ -194,7 +204,7 @@
           <a:p>
             <a:fld id="{01F8C63B-329B-4EAC-8678-65D8819E1B8C}" type="datetimeFigureOut">
               <a:rPr lang="en-US" smtClean="0"/>
-              <a:t>7/30/2018</a:t>
+              <a:t>8/2/2018</a:t>
             </a:fld>
             <a:endParaRPr lang="en-US"/>
           </a:p>
@@ -483,7 +493,7 @@
           <p:cNvPr id="2" name="Title 1">
             <a:extLst>
               <a:ext uri="{FF2B5EF4-FFF2-40B4-BE49-F238E27FC236}">
-                <a16:creationId xmlns:a16="http://schemas.microsoft.com/office/drawing/2014/main" id="{BB4E1917-FAA6-463B-98A6-25ACDF4D4167}"/>
+                <a16:creationId xmlns:a16="http://schemas.microsoft.com/office/drawing/2014/main" id="{0D0FEADF-6248-4979-9CC0-A4C86472FDF5}"/>
               </a:ext>
             </a:extLst>
           </p:cNvPr>
@@ -520,7 +530,7 @@
           <p:cNvPr id="3" name="Subtitle 2">
             <a:extLst>
               <a:ext uri="{FF2B5EF4-FFF2-40B4-BE49-F238E27FC236}">
-                <a16:creationId xmlns:a16="http://schemas.microsoft.com/office/drawing/2014/main" id="{0B1A5816-2562-4193-A759-4C60236706AD}"/>
+                <a16:creationId xmlns:a16="http://schemas.microsoft.com/office/drawing/2014/main" id="{80FED6A7-C98B-49EB-BD03-0DB89AA9A346}"/>
               </a:ext>
             </a:extLst>
           </p:cNvPr>
@@ -590,7 +600,7 @@
           <p:cNvPr id="4" name="Date Placeholder 3">
             <a:extLst>
               <a:ext uri="{FF2B5EF4-FFF2-40B4-BE49-F238E27FC236}">
-                <a16:creationId xmlns:a16="http://schemas.microsoft.com/office/drawing/2014/main" id="{0B0C60E3-E967-4BD1-892C-FA92C0948EC0}"/>
+                <a16:creationId xmlns:a16="http://schemas.microsoft.com/office/drawing/2014/main" id="{9B2775D0-86E9-4301-98EB-1F491CDDC9C3}"/>
               </a:ext>
             </a:extLst>
           </p:cNvPr>
@@ -608,7 +618,7 @@
           <a:p>
             <a:fld id="{3180142F-200B-447D-99A1-0B1B9FBC1DDC}" type="datetimeFigureOut">
               <a:rPr lang="en-US" smtClean="0"/>
-              <a:t>7/30/2018</a:t>
+              <a:t>8/2/2018</a:t>
             </a:fld>
             <a:endParaRPr lang="en-US"/>
           </a:p>
@@ -619,7 +629,7 @@
           <p:cNvPr id="5" name="Footer Placeholder 4">
             <a:extLst>
               <a:ext uri="{FF2B5EF4-FFF2-40B4-BE49-F238E27FC236}">
-                <a16:creationId xmlns:a16="http://schemas.microsoft.com/office/drawing/2014/main" id="{B261AE54-F2CA-458A-AC2D-D11FC40E1054}"/>
+                <a16:creationId xmlns:a16="http://schemas.microsoft.com/office/drawing/2014/main" id="{3486B33F-7749-4622-A3C0-8BA61E569622}"/>
               </a:ext>
             </a:extLst>
           </p:cNvPr>
@@ -644,7 +654,7 @@
           <p:cNvPr id="6" name="Slide Number Placeholder 5">
             <a:extLst>
               <a:ext uri="{FF2B5EF4-FFF2-40B4-BE49-F238E27FC236}">
-                <a16:creationId xmlns:a16="http://schemas.microsoft.com/office/drawing/2014/main" id="{44248F5A-736C-428C-82FF-B4F50B5A25D8}"/>
+                <a16:creationId xmlns:a16="http://schemas.microsoft.com/office/drawing/2014/main" id="{889771F6-6C63-43B3-85A2-480EB40A4701}"/>
               </a:ext>
             </a:extLst>
           </p:cNvPr>
@@ -671,7 +681,7 @@
     </p:spTree>
     <p:extLst>
       <p:ext uri="{BB962C8B-B14F-4D97-AF65-F5344CB8AC3E}">
-        <p14:creationId xmlns:p14="http://schemas.microsoft.com/office/powerpoint/2010/main" val="2761582528"/>
+        <p14:creationId xmlns:p14="http://schemas.microsoft.com/office/powerpoint/2010/main" val="16349450"/>
       </p:ext>
     </p:extLst>
   </p:cSld>
@@ -703,7 +713,7 @@
           <p:cNvPr id="2" name="Title 1">
             <a:extLst>
               <a:ext uri="{FF2B5EF4-FFF2-40B4-BE49-F238E27FC236}">
-                <a16:creationId xmlns:a16="http://schemas.microsoft.com/office/drawing/2014/main" id="{00CC0FB5-368D-439A-B3BD-4B3F5364DC86}"/>
+                <a16:creationId xmlns:a16="http://schemas.microsoft.com/office/drawing/2014/main" id="{E3148186-8B8D-4FEC-8B6D-ADEE633DC9A1}"/>
               </a:ext>
             </a:extLst>
           </p:cNvPr>
@@ -731,7 +741,7 @@
           <p:cNvPr id="3" name="Vertical Text Placeholder 2">
             <a:extLst>
               <a:ext uri="{FF2B5EF4-FFF2-40B4-BE49-F238E27FC236}">
-                <a16:creationId xmlns:a16="http://schemas.microsoft.com/office/drawing/2014/main" id="{D96F4947-422E-43BE-A1A3-AF46167788E7}"/>
+                <a16:creationId xmlns:a16="http://schemas.microsoft.com/office/drawing/2014/main" id="{42E2CCFB-A862-4B8E-AC65-A2ACD270B1E5}"/>
               </a:ext>
             </a:extLst>
           </p:cNvPr>
@@ -788,7 +798,7 @@
           <p:cNvPr id="4" name="Date Placeholder 3">
             <a:extLst>
               <a:ext uri="{FF2B5EF4-FFF2-40B4-BE49-F238E27FC236}">
-                <a16:creationId xmlns:a16="http://schemas.microsoft.com/office/drawing/2014/main" id="{83BA257E-DADE-4E41-BB85-A799E8CE4D2B}"/>
+                <a16:creationId xmlns:a16="http://schemas.microsoft.com/office/drawing/2014/main" id="{5E126FE1-8CEF-4DB2-B83C-93C70494AD0B}"/>
               </a:ext>
             </a:extLst>
           </p:cNvPr>
@@ -806,7 +816,7 @@
           <a:p>
             <a:fld id="{3180142F-200B-447D-99A1-0B1B9FBC1DDC}" type="datetimeFigureOut">
               <a:rPr lang="en-US" smtClean="0"/>
-              <a:t>7/30/2018</a:t>
+              <a:t>8/2/2018</a:t>
             </a:fld>
             <a:endParaRPr lang="en-US"/>
           </a:p>
@@ -817,7 +827,7 @@
           <p:cNvPr id="5" name="Footer Placeholder 4">
             <a:extLst>
               <a:ext uri="{FF2B5EF4-FFF2-40B4-BE49-F238E27FC236}">
-                <a16:creationId xmlns:a16="http://schemas.microsoft.com/office/drawing/2014/main" id="{2B60EFEE-6537-446D-AD7C-1AF7D44940A8}"/>
+                <a16:creationId xmlns:a16="http://schemas.microsoft.com/office/drawing/2014/main" id="{231AC4CB-A6F7-4A71-B66C-18A7834A43C1}"/>
               </a:ext>
             </a:extLst>
           </p:cNvPr>
@@ -842,7 +852,7 @@
           <p:cNvPr id="6" name="Slide Number Placeholder 5">
             <a:extLst>
               <a:ext uri="{FF2B5EF4-FFF2-40B4-BE49-F238E27FC236}">
-                <a16:creationId xmlns:a16="http://schemas.microsoft.com/office/drawing/2014/main" id="{3CA1A53A-15C7-4256-B03C-A960E1E11EAD}"/>
+                <a16:creationId xmlns:a16="http://schemas.microsoft.com/office/drawing/2014/main" id="{7F3C332A-1BB3-47AF-B63A-8ABF66BE2703}"/>
               </a:ext>
             </a:extLst>
           </p:cNvPr>
@@ -869,7 +879,7 @@
     </p:spTree>
     <p:extLst>
       <p:ext uri="{BB962C8B-B14F-4D97-AF65-F5344CB8AC3E}">
-        <p14:creationId xmlns:p14="http://schemas.microsoft.com/office/powerpoint/2010/main" val="351112849"/>
+        <p14:creationId xmlns:p14="http://schemas.microsoft.com/office/powerpoint/2010/main" val="3805410603"/>
       </p:ext>
     </p:extLst>
   </p:cSld>
@@ -901,7 +911,7 @@
           <p:cNvPr id="2" name="Vertical Title 1">
             <a:extLst>
               <a:ext uri="{FF2B5EF4-FFF2-40B4-BE49-F238E27FC236}">
-                <a16:creationId xmlns:a16="http://schemas.microsoft.com/office/drawing/2014/main" id="{52A5D91F-EC2A-46B6-A524-4690342B0125}"/>
+                <a16:creationId xmlns:a16="http://schemas.microsoft.com/office/drawing/2014/main" id="{CEAA8EF6-248C-4E7A-A55C-02C58A8057CE}"/>
               </a:ext>
             </a:extLst>
           </p:cNvPr>
@@ -934,7 +944,7 @@
           <p:cNvPr id="3" name="Vertical Text Placeholder 2">
             <a:extLst>
               <a:ext uri="{FF2B5EF4-FFF2-40B4-BE49-F238E27FC236}">
-                <a16:creationId xmlns:a16="http://schemas.microsoft.com/office/drawing/2014/main" id="{0674C726-B67E-4C52-9432-716C43F1E3C6}"/>
+                <a16:creationId xmlns:a16="http://schemas.microsoft.com/office/drawing/2014/main" id="{9A288A48-8C8A-406C-AF85-18F4B8AE1A8B}"/>
               </a:ext>
             </a:extLst>
           </p:cNvPr>
@@ -996,7 +1006,7 @@
           <p:cNvPr id="4" name="Date Placeholder 3">
             <a:extLst>
               <a:ext uri="{FF2B5EF4-FFF2-40B4-BE49-F238E27FC236}">
-                <a16:creationId xmlns:a16="http://schemas.microsoft.com/office/drawing/2014/main" id="{68220342-1806-4680-8ED6-14CA4C63ACB4}"/>
+                <a16:creationId xmlns:a16="http://schemas.microsoft.com/office/drawing/2014/main" id="{71038D34-DB51-4011-9E08-3A7B1D46097B}"/>
               </a:ext>
             </a:extLst>
           </p:cNvPr>
@@ -1014,7 +1024,7 @@
           <a:p>
             <a:fld id="{3180142F-200B-447D-99A1-0B1B9FBC1DDC}" type="datetimeFigureOut">
               <a:rPr lang="en-US" smtClean="0"/>
-              <a:t>7/30/2018</a:t>
+              <a:t>8/2/2018</a:t>
             </a:fld>
             <a:endParaRPr lang="en-US"/>
           </a:p>
@@ -1025,7 +1035,7 @@
           <p:cNvPr id="5" name="Footer Placeholder 4">
             <a:extLst>
               <a:ext uri="{FF2B5EF4-FFF2-40B4-BE49-F238E27FC236}">
-                <a16:creationId xmlns:a16="http://schemas.microsoft.com/office/drawing/2014/main" id="{BE39D270-DF00-4387-AE80-59AC93B72427}"/>
+                <a16:creationId xmlns:a16="http://schemas.microsoft.com/office/drawing/2014/main" id="{171713C6-CBAD-4E1C-A517-B70573BF9A65}"/>
               </a:ext>
             </a:extLst>
           </p:cNvPr>
@@ -1050,7 +1060,7 @@
           <p:cNvPr id="6" name="Slide Number Placeholder 5">
             <a:extLst>
               <a:ext uri="{FF2B5EF4-FFF2-40B4-BE49-F238E27FC236}">
-                <a16:creationId xmlns:a16="http://schemas.microsoft.com/office/drawing/2014/main" id="{BA9FDE46-7E5D-4A20-A03F-3CE06BF3C98F}"/>
+                <a16:creationId xmlns:a16="http://schemas.microsoft.com/office/drawing/2014/main" id="{2E5FE537-A817-4E8B-9254-D5D4F33BA714}"/>
               </a:ext>
             </a:extLst>
           </p:cNvPr>
@@ -1077,7 +1087,7 @@
     </p:spTree>
     <p:extLst>
       <p:ext uri="{BB962C8B-B14F-4D97-AF65-F5344CB8AC3E}">
-        <p14:creationId xmlns:p14="http://schemas.microsoft.com/office/powerpoint/2010/main" val="2891532963"/>
+        <p14:creationId xmlns:p14="http://schemas.microsoft.com/office/powerpoint/2010/main" val="3387201458"/>
       </p:ext>
     </p:extLst>
   </p:cSld>
@@ -1109,7 +1119,7 @@
           <p:cNvPr id="2" name="Title 1">
             <a:extLst>
               <a:ext uri="{FF2B5EF4-FFF2-40B4-BE49-F238E27FC236}">
-                <a16:creationId xmlns:a16="http://schemas.microsoft.com/office/drawing/2014/main" id="{0623C644-8435-4387-BF22-01CB32E43328}"/>
+                <a16:creationId xmlns:a16="http://schemas.microsoft.com/office/drawing/2014/main" id="{84A4DDEF-C1AC-4CAD-AD54-718F0942E612}"/>
               </a:ext>
             </a:extLst>
           </p:cNvPr>
@@ -1137,7 +1147,7 @@
           <p:cNvPr id="3" name="Content Placeholder 2">
             <a:extLst>
               <a:ext uri="{FF2B5EF4-FFF2-40B4-BE49-F238E27FC236}">
-                <a16:creationId xmlns:a16="http://schemas.microsoft.com/office/drawing/2014/main" id="{DE50641E-50A2-4A38-BF29-C5F3B5FEBBC3}"/>
+                <a16:creationId xmlns:a16="http://schemas.microsoft.com/office/drawing/2014/main" id="{1A1FE8B6-9789-4A04-A71A-61AF658144DB}"/>
               </a:ext>
             </a:extLst>
           </p:cNvPr>
@@ -1194,7 +1204,7 @@
           <p:cNvPr id="4" name="Date Placeholder 3">
             <a:extLst>
               <a:ext uri="{FF2B5EF4-FFF2-40B4-BE49-F238E27FC236}">
-                <a16:creationId xmlns:a16="http://schemas.microsoft.com/office/drawing/2014/main" id="{0D9214E3-95BA-4ED1-BAFD-1764CE82EFC3}"/>
+                <a16:creationId xmlns:a16="http://schemas.microsoft.com/office/drawing/2014/main" id="{7D4E7008-62B9-447D-A622-9B37EF993F45}"/>
               </a:ext>
             </a:extLst>
           </p:cNvPr>
@@ -1212,7 +1222,7 @@
           <a:p>
             <a:fld id="{3180142F-200B-447D-99A1-0B1B9FBC1DDC}" type="datetimeFigureOut">
               <a:rPr lang="en-US" smtClean="0"/>
-              <a:t>7/30/2018</a:t>
+              <a:t>8/2/2018</a:t>
             </a:fld>
             <a:endParaRPr lang="en-US"/>
           </a:p>
@@ -1223,7 +1233,7 @@
           <p:cNvPr id="5" name="Footer Placeholder 4">
             <a:extLst>
               <a:ext uri="{FF2B5EF4-FFF2-40B4-BE49-F238E27FC236}">
-                <a16:creationId xmlns:a16="http://schemas.microsoft.com/office/drawing/2014/main" id="{BD707D84-5996-4F24-AF3A-CBDF6788AF2A}"/>
+                <a16:creationId xmlns:a16="http://schemas.microsoft.com/office/drawing/2014/main" id="{7AE151F2-1B2B-4AC8-A4BA-5255A564DFA9}"/>
               </a:ext>
             </a:extLst>
           </p:cNvPr>
@@ -1248,7 +1258,7 @@
           <p:cNvPr id="6" name="Slide Number Placeholder 5">
             <a:extLst>
               <a:ext uri="{FF2B5EF4-FFF2-40B4-BE49-F238E27FC236}">
-                <a16:creationId xmlns:a16="http://schemas.microsoft.com/office/drawing/2014/main" id="{2EB6017A-C788-4F35-B82E-AC0D7EAFA752}"/>
+                <a16:creationId xmlns:a16="http://schemas.microsoft.com/office/drawing/2014/main" id="{DEB591A2-8717-4CA8-898B-2560364105E6}"/>
               </a:ext>
             </a:extLst>
           </p:cNvPr>
@@ -1275,7 +1285,7 @@
     </p:spTree>
     <p:extLst>
       <p:ext uri="{BB962C8B-B14F-4D97-AF65-F5344CB8AC3E}">
-        <p14:creationId xmlns:p14="http://schemas.microsoft.com/office/powerpoint/2010/main" val="1416193628"/>
+        <p14:creationId xmlns:p14="http://schemas.microsoft.com/office/powerpoint/2010/main" val="2837560072"/>
       </p:ext>
     </p:extLst>
   </p:cSld>
@@ -1307,7 +1317,7 @@
           <p:cNvPr id="2" name="Title 1">
             <a:extLst>
               <a:ext uri="{FF2B5EF4-FFF2-40B4-BE49-F238E27FC236}">
-                <a16:creationId xmlns:a16="http://schemas.microsoft.com/office/drawing/2014/main" id="{B404A664-5281-4BDD-BC6F-FC188A9C90A9}"/>
+                <a16:creationId xmlns:a16="http://schemas.microsoft.com/office/drawing/2014/main" id="{DAEAC48C-4343-4159-A49F-5096609B82FC}"/>
               </a:ext>
             </a:extLst>
           </p:cNvPr>
@@ -1344,7 +1354,7 @@
           <p:cNvPr id="3" name="Text Placeholder 2">
             <a:extLst>
               <a:ext uri="{FF2B5EF4-FFF2-40B4-BE49-F238E27FC236}">
-                <a16:creationId xmlns:a16="http://schemas.microsoft.com/office/drawing/2014/main" id="{BE3F6D63-0C08-4423-90CF-A2F874E21516}"/>
+                <a16:creationId xmlns:a16="http://schemas.microsoft.com/office/drawing/2014/main" id="{3BFD60C1-785F-43E2-933F-2D15ED6EC840}"/>
               </a:ext>
             </a:extLst>
           </p:cNvPr>
@@ -1469,7 +1479,7 @@
           <p:cNvPr id="4" name="Date Placeholder 3">
             <a:extLst>
               <a:ext uri="{FF2B5EF4-FFF2-40B4-BE49-F238E27FC236}">
-                <a16:creationId xmlns:a16="http://schemas.microsoft.com/office/drawing/2014/main" id="{73B21D26-CC81-4BED-ACF4-CF4671A427B4}"/>
+                <a16:creationId xmlns:a16="http://schemas.microsoft.com/office/drawing/2014/main" id="{F2869BE1-FFD4-46FF-8F82-8DFFBBE1260A}"/>
               </a:ext>
             </a:extLst>
           </p:cNvPr>
@@ -1487,7 +1497,7 @@
           <a:p>
             <a:fld id="{3180142F-200B-447D-99A1-0B1B9FBC1DDC}" type="datetimeFigureOut">
               <a:rPr lang="en-US" smtClean="0"/>
-              <a:t>7/30/2018</a:t>
+              <a:t>8/2/2018</a:t>
             </a:fld>
             <a:endParaRPr lang="en-US"/>
           </a:p>
@@ -1498,7 +1508,7 @@
           <p:cNvPr id="5" name="Footer Placeholder 4">
             <a:extLst>
               <a:ext uri="{FF2B5EF4-FFF2-40B4-BE49-F238E27FC236}">
-                <a16:creationId xmlns:a16="http://schemas.microsoft.com/office/drawing/2014/main" id="{4AC42FC7-5FE6-41EA-A776-6689048646BC}"/>
+                <a16:creationId xmlns:a16="http://schemas.microsoft.com/office/drawing/2014/main" id="{2BA47376-1B72-4CC4-B317-C5CD3B37C14A}"/>
               </a:ext>
             </a:extLst>
           </p:cNvPr>
@@ -1523,7 +1533,7 @@
           <p:cNvPr id="6" name="Slide Number Placeholder 5">
             <a:extLst>
               <a:ext uri="{FF2B5EF4-FFF2-40B4-BE49-F238E27FC236}">
-                <a16:creationId xmlns:a16="http://schemas.microsoft.com/office/drawing/2014/main" id="{77C4909A-2F5C-4026-A058-BB878116B2EF}"/>
+                <a16:creationId xmlns:a16="http://schemas.microsoft.com/office/drawing/2014/main" id="{3AFDF0CD-21A5-43E1-82D2-DA8C07984CB2}"/>
               </a:ext>
             </a:extLst>
           </p:cNvPr>
@@ -1550,7 +1560,7 @@
     </p:spTree>
     <p:extLst>
       <p:ext uri="{BB962C8B-B14F-4D97-AF65-F5344CB8AC3E}">
-        <p14:creationId xmlns:p14="http://schemas.microsoft.com/office/powerpoint/2010/main" val="4175797060"/>
+        <p14:creationId xmlns:p14="http://schemas.microsoft.com/office/powerpoint/2010/main" val="400840536"/>
       </p:ext>
     </p:extLst>
   </p:cSld>
@@ -1582,7 +1592,7 @@
           <p:cNvPr id="2" name="Title 1">
             <a:extLst>
               <a:ext uri="{FF2B5EF4-FFF2-40B4-BE49-F238E27FC236}">
-                <a16:creationId xmlns:a16="http://schemas.microsoft.com/office/drawing/2014/main" id="{D2D56220-B4AA-4890-A3EF-DB57F4CAA4B1}"/>
+                <a16:creationId xmlns:a16="http://schemas.microsoft.com/office/drawing/2014/main" id="{034F0E76-D0CA-4D42-85EA-7047E5B24E2E}"/>
               </a:ext>
             </a:extLst>
           </p:cNvPr>
@@ -1610,7 +1620,7 @@
           <p:cNvPr id="3" name="Content Placeholder 2">
             <a:extLst>
               <a:ext uri="{FF2B5EF4-FFF2-40B4-BE49-F238E27FC236}">
-                <a16:creationId xmlns:a16="http://schemas.microsoft.com/office/drawing/2014/main" id="{D4F5DDE4-5CA1-4FC2-8647-099A9FCDC14A}"/>
+                <a16:creationId xmlns:a16="http://schemas.microsoft.com/office/drawing/2014/main" id="{1A3D94B1-0FC6-4ED9-88A0-0FA1E3F70F3E}"/>
               </a:ext>
             </a:extLst>
           </p:cNvPr>
@@ -1672,7 +1682,7 @@
           <p:cNvPr id="4" name="Content Placeholder 3">
             <a:extLst>
               <a:ext uri="{FF2B5EF4-FFF2-40B4-BE49-F238E27FC236}">
-                <a16:creationId xmlns:a16="http://schemas.microsoft.com/office/drawing/2014/main" id="{A33B81BD-6F96-45F9-9511-FBB38EC76EAF}"/>
+                <a16:creationId xmlns:a16="http://schemas.microsoft.com/office/drawing/2014/main" id="{A85C934E-E398-426B-B9FF-1527264D8A59}"/>
               </a:ext>
             </a:extLst>
           </p:cNvPr>
@@ -1734,7 +1744,7 @@
           <p:cNvPr id="5" name="Date Placeholder 4">
             <a:extLst>
               <a:ext uri="{FF2B5EF4-FFF2-40B4-BE49-F238E27FC236}">
-                <a16:creationId xmlns:a16="http://schemas.microsoft.com/office/drawing/2014/main" id="{6A121305-9785-44E7-9380-616BD3F16487}"/>
+                <a16:creationId xmlns:a16="http://schemas.microsoft.com/office/drawing/2014/main" id="{FC3E4A9D-444F-41A0-AD5B-1512696A6B03}"/>
               </a:ext>
             </a:extLst>
           </p:cNvPr>
@@ -1752,7 +1762,7 @@
           <a:p>
             <a:fld id="{3180142F-200B-447D-99A1-0B1B9FBC1DDC}" type="datetimeFigureOut">
               <a:rPr lang="en-US" smtClean="0"/>
-              <a:t>7/30/2018</a:t>
+              <a:t>8/2/2018</a:t>
             </a:fld>
             <a:endParaRPr lang="en-US"/>
           </a:p>
@@ -1763,7 +1773,7 @@
           <p:cNvPr id="6" name="Footer Placeholder 5">
             <a:extLst>
               <a:ext uri="{FF2B5EF4-FFF2-40B4-BE49-F238E27FC236}">
-                <a16:creationId xmlns:a16="http://schemas.microsoft.com/office/drawing/2014/main" id="{69B95EF2-01B5-4B8B-9C0A-ACCA712C9B64}"/>
+                <a16:creationId xmlns:a16="http://schemas.microsoft.com/office/drawing/2014/main" id="{42B16F5D-96A9-4998-828E-AC3F0BFE3E33}"/>
               </a:ext>
             </a:extLst>
           </p:cNvPr>
@@ -1788,7 +1798,7 @@
           <p:cNvPr id="7" name="Slide Number Placeholder 6">
             <a:extLst>
               <a:ext uri="{FF2B5EF4-FFF2-40B4-BE49-F238E27FC236}">
-                <a16:creationId xmlns:a16="http://schemas.microsoft.com/office/drawing/2014/main" id="{72081A92-0C20-4A42-90FB-2246AABBBA50}"/>
+                <a16:creationId xmlns:a16="http://schemas.microsoft.com/office/drawing/2014/main" id="{0FFB8F08-B9C4-4A5B-AE70-6DD827CC4E7D}"/>
               </a:ext>
             </a:extLst>
           </p:cNvPr>
@@ -1815,7 +1825,7 @@
     </p:spTree>
     <p:extLst>
       <p:ext uri="{BB962C8B-B14F-4D97-AF65-F5344CB8AC3E}">
-        <p14:creationId xmlns:p14="http://schemas.microsoft.com/office/powerpoint/2010/main" val="2928571461"/>
+        <p14:creationId xmlns:p14="http://schemas.microsoft.com/office/powerpoint/2010/main" val="1992202163"/>
       </p:ext>
     </p:extLst>
   </p:cSld>
@@ -1847,7 +1857,7 @@
           <p:cNvPr id="2" name="Title 1">
             <a:extLst>
               <a:ext uri="{FF2B5EF4-FFF2-40B4-BE49-F238E27FC236}">
-                <a16:creationId xmlns:a16="http://schemas.microsoft.com/office/drawing/2014/main" id="{9782458E-8A81-447A-8DF0-A84B2465F871}"/>
+                <a16:creationId xmlns:a16="http://schemas.microsoft.com/office/drawing/2014/main" id="{0B6349D9-FF3A-46C9-ACDA-9D4621B3324B}"/>
               </a:ext>
             </a:extLst>
           </p:cNvPr>
@@ -1880,7 +1890,7 @@
           <p:cNvPr id="3" name="Text Placeholder 2">
             <a:extLst>
               <a:ext uri="{FF2B5EF4-FFF2-40B4-BE49-F238E27FC236}">
-                <a16:creationId xmlns:a16="http://schemas.microsoft.com/office/drawing/2014/main" id="{A441B475-6BE2-4F3D-8FDD-09AA7FA112F3}"/>
+                <a16:creationId xmlns:a16="http://schemas.microsoft.com/office/drawing/2014/main" id="{B161EE52-1F8D-4632-BBD8-8A2187814BB5}"/>
               </a:ext>
             </a:extLst>
           </p:cNvPr>
@@ -1951,7 +1961,7 @@
           <p:cNvPr id="4" name="Content Placeholder 3">
             <a:extLst>
               <a:ext uri="{FF2B5EF4-FFF2-40B4-BE49-F238E27FC236}">
-                <a16:creationId xmlns:a16="http://schemas.microsoft.com/office/drawing/2014/main" id="{CB23D86A-BA66-400F-808F-808C2282DF4E}"/>
+                <a16:creationId xmlns:a16="http://schemas.microsoft.com/office/drawing/2014/main" id="{E1D00936-1D1B-4B2E-9A7C-0ED5147656AA}"/>
               </a:ext>
             </a:extLst>
           </p:cNvPr>
@@ -2013,7 +2023,7 @@
           <p:cNvPr id="5" name="Text Placeholder 4">
             <a:extLst>
               <a:ext uri="{FF2B5EF4-FFF2-40B4-BE49-F238E27FC236}">
-                <a16:creationId xmlns:a16="http://schemas.microsoft.com/office/drawing/2014/main" id="{4C2C9D46-EEA3-4A5B-AEDE-EA9CFF71A698}"/>
+                <a16:creationId xmlns:a16="http://schemas.microsoft.com/office/drawing/2014/main" id="{8DF7E80A-B347-4248-9A43-A3764AB7258A}"/>
               </a:ext>
             </a:extLst>
           </p:cNvPr>
@@ -2084,7 +2094,7 @@
           <p:cNvPr id="6" name="Content Placeholder 5">
             <a:extLst>
               <a:ext uri="{FF2B5EF4-FFF2-40B4-BE49-F238E27FC236}">
-                <a16:creationId xmlns:a16="http://schemas.microsoft.com/office/drawing/2014/main" id="{6941E005-FD0D-4C70-AC1E-9C68726E7BBF}"/>
+                <a16:creationId xmlns:a16="http://schemas.microsoft.com/office/drawing/2014/main" id="{6F577A7F-D7BA-40EF-A1B4-10D1059B541A}"/>
               </a:ext>
             </a:extLst>
           </p:cNvPr>
@@ -2146,7 +2156,7 @@
           <p:cNvPr id="7" name="Date Placeholder 6">
             <a:extLst>
               <a:ext uri="{FF2B5EF4-FFF2-40B4-BE49-F238E27FC236}">
-                <a16:creationId xmlns:a16="http://schemas.microsoft.com/office/drawing/2014/main" id="{57EF39FF-71B9-4003-B300-E50398A1EE93}"/>
+                <a16:creationId xmlns:a16="http://schemas.microsoft.com/office/drawing/2014/main" id="{28E151F4-4359-42A4-98A8-EFB2D60DC963}"/>
               </a:ext>
             </a:extLst>
           </p:cNvPr>
@@ -2164,7 +2174,7 @@
           <a:p>
             <a:fld id="{3180142F-200B-447D-99A1-0B1B9FBC1DDC}" type="datetimeFigureOut">
               <a:rPr lang="en-US" smtClean="0"/>
-              <a:t>7/30/2018</a:t>
+              <a:t>8/2/2018</a:t>
             </a:fld>
             <a:endParaRPr lang="en-US"/>
           </a:p>
@@ -2175,7 +2185,7 @@
           <p:cNvPr id="8" name="Footer Placeholder 7">
             <a:extLst>
               <a:ext uri="{FF2B5EF4-FFF2-40B4-BE49-F238E27FC236}">
-                <a16:creationId xmlns:a16="http://schemas.microsoft.com/office/drawing/2014/main" id="{481C574C-F047-4FEA-BADD-67169FA63A1A}"/>
+                <a16:creationId xmlns:a16="http://schemas.microsoft.com/office/drawing/2014/main" id="{0B5623A4-C8A1-413D-BCA7-09C494B91D7E}"/>
               </a:ext>
             </a:extLst>
           </p:cNvPr>
@@ -2200,7 +2210,7 @@
           <p:cNvPr id="9" name="Slide Number Placeholder 8">
             <a:extLst>
               <a:ext uri="{FF2B5EF4-FFF2-40B4-BE49-F238E27FC236}">
-                <a16:creationId xmlns:a16="http://schemas.microsoft.com/office/drawing/2014/main" id="{FA990B0E-4ADB-4E68-BD71-80E9F3680AFB}"/>
+                <a16:creationId xmlns:a16="http://schemas.microsoft.com/office/drawing/2014/main" id="{B87C5ADC-293A-493C-A5E8-33AFDAC4B350}"/>
               </a:ext>
             </a:extLst>
           </p:cNvPr>
@@ -2227,7 +2237,7 @@
     </p:spTree>
     <p:extLst>
       <p:ext uri="{BB962C8B-B14F-4D97-AF65-F5344CB8AC3E}">
-        <p14:creationId xmlns:p14="http://schemas.microsoft.com/office/powerpoint/2010/main" val="3747781517"/>
+        <p14:creationId xmlns:p14="http://schemas.microsoft.com/office/powerpoint/2010/main" val="2355182803"/>
       </p:ext>
     </p:extLst>
   </p:cSld>
@@ -2259,7 +2269,7 @@
           <p:cNvPr id="2" name="Title 1">
             <a:extLst>
               <a:ext uri="{FF2B5EF4-FFF2-40B4-BE49-F238E27FC236}">
-                <a16:creationId xmlns:a16="http://schemas.microsoft.com/office/drawing/2014/main" id="{87FE9BC3-9547-4F92-AE49-7F1EA693E201}"/>
+                <a16:creationId xmlns:a16="http://schemas.microsoft.com/office/drawing/2014/main" id="{8CCA8DC2-2AD7-459C-8944-AED621E5C58E}"/>
               </a:ext>
             </a:extLst>
           </p:cNvPr>
@@ -2287,7 +2297,7 @@
           <p:cNvPr id="3" name="Date Placeholder 2">
             <a:extLst>
               <a:ext uri="{FF2B5EF4-FFF2-40B4-BE49-F238E27FC236}">
-                <a16:creationId xmlns:a16="http://schemas.microsoft.com/office/drawing/2014/main" id="{F392863A-381B-4ECC-917D-D83D3AD7D86D}"/>
+                <a16:creationId xmlns:a16="http://schemas.microsoft.com/office/drawing/2014/main" id="{2BF5FC45-3345-43B9-9FF1-C207964AF514}"/>
               </a:ext>
             </a:extLst>
           </p:cNvPr>
@@ -2305,7 +2315,7 @@
           <a:p>
             <a:fld id="{3180142F-200B-447D-99A1-0B1B9FBC1DDC}" type="datetimeFigureOut">
               <a:rPr lang="en-US" smtClean="0"/>
-              <a:t>7/30/2018</a:t>
+              <a:t>8/2/2018</a:t>
             </a:fld>
             <a:endParaRPr lang="en-US"/>
           </a:p>
@@ -2316,7 +2326,7 @@
           <p:cNvPr id="4" name="Footer Placeholder 3">
             <a:extLst>
               <a:ext uri="{FF2B5EF4-FFF2-40B4-BE49-F238E27FC236}">
-                <a16:creationId xmlns:a16="http://schemas.microsoft.com/office/drawing/2014/main" id="{48920044-6DEB-4FF9-B248-626109C9D60B}"/>
+                <a16:creationId xmlns:a16="http://schemas.microsoft.com/office/drawing/2014/main" id="{276768C9-7395-4E6F-9315-FA1B52B57C26}"/>
               </a:ext>
             </a:extLst>
           </p:cNvPr>
@@ -2341,7 +2351,7 @@
           <p:cNvPr id="5" name="Slide Number Placeholder 4">
             <a:extLst>
               <a:ext uri="{FF2B5EF4-FFF2-40B4-BE49-F238E27FC236}">
-                <a16:creationId xmlns:a16="http://schemas.microsoft.com/office/drawing/2014/main" id="{1019DB90-9F11-4EF5-BD43-11FCC20A8E2D}"/>
+                <a16:creationId xmlns:a16="http://schemas.microsoft.com/office/drawing/2014/main" id="{CE5F916E-C783-4BBF-9B93-1DCC05DD5D1B}"/>
               </a:ext>
             </a:extLst>
           </p:cNvPr>
@@ -2368,7 +2378,7 @@
     </p:spTree>
     <p:extLst>
       <p:ext uri="{BB962C8B-B14F-4D97-AF65-F5344CB8AC3E}">
-        <p14:creationId xmlns:p14="http://schemas.microsoft.com/office/powerpoint/2010/main" val="1286508245"/>
+        <p14:creationId xmlns:p14="http://schemas.microsoft.com/office/powerpoint/2010/main" val="3457010348"/>
       </p:ext>
     </p:extLst>
   </p:cSld>
@@ -2400,7 +2410,7 @@
           <p:cNvPr id="2" name="Date Placeholder 1">
             <a:extLst>
               <a:ext uri="{FF2B5EF4-FFF2-40B4-BE49-F238E27FC236}">
-                <a16:creationId xmlns:a16="http://schemas.microsoft.com/office/drawing/2014/main" id="{4EF480ED-C83E-405F-912F-E5710184F185}"/>
+                <a16:creationId xmlns:a16="http://schemas.microsoft.com/office/drawing/2014/main" id="{81D96289-A268-436A-8271-B63BA78794E5}"/>
               </a:ext>
             </a:extLst>
           </p:cNvPr>
@@ -2418,7 +2428,7 @@
           <a:p>
             <a:fld id="{3180142F-200B-447D-99A1-0B1B9FBC1DDC}" type="datetimeFigureOut">
               <a:rPr lang="en-US" smtClean="0"/>
-              <a:t>7/30/2018</a:t>
+              <a:t>8/2/2018</a:t>
             </a:fld>
             <a:endParaRPr lang="en-US"/>
           </a:p>
@@ -2429,7 +2439,7 @@
           <p:cNvPr id="3" name="Footer Placeholder 2">
             <a:extLst>
               <a:ext uri="{FF2B5EF4-FFF2-40B4-BE49-F238E27FC236}">
-                <a16:creationId xmlns:a16="http://schemas.microsoft.com/office/drawing/2014/main" id="{E76EF447-2306-4C83-A137-3C47BD90CE3D}"/>
+                <a16:creationId xmlns:a16="http://schemas.microsoft.com/office/drawing/2014/main" id="{58496C5D-7D28-46C6-A786-7F1E6C6BB4B6}"/>
               </a:ext>
             </a:extLst>
           </p:cNvPr>
@@ -2454,7 +2464,7 @@
           <p:cNvPr id="4" name="Slide Number Placeholder 3">
             <a:extLst>
               <a:ext uri="{FF2B5EF4-FFF2-40B4-BE49-F238E27FC236}">
-                <a16:creationId xmlns:a16="http://schemas.microsoft.com/office/drawing/2014/main" id="{10B66ACC-770C-4046-A8F0-1940BDA086F3}"/>
+                <a16:creationId xmlns:a16="http://schemas.microsoft.com/office/drawing/2014/main" id="{4D20096F-0DCE-4E13-B675-BFFF1DD4BE55}"/>
               </a:ext>
             </a:extLst>
           </p:cNvPr>
@@ -2481,7 +2491,7 @@
     </p:spTree>
     <p:extLst>
       <p:ext uri="{BB962C8B-B14F-4D97-AF65-F5344CB8AC3E}">
-        <p14:creationId xmlns:p14="http://schemas.microsoft.com/office/powerpoint/2010/main" val="4037269932"/>
+        <p14:creationId xmlns:p14="http://schemas.microsoft.com/office/powerpoint/2010/main" val="1844985478"/>
       </p:ext>
     </p:extLst>
   </p:cSld>
@@ -2513,7 +2523,7 @@
           <p:cNvPr id="2" name="Title 1">
             <a:extLst>
               <a:ext uri="{FF2B5EF4-FFF2-40B4-BE49-F238E27FC236}">
-                <a16:creationId xmlns:a16="http://schemas.microsoft.com/office/drawing/2014/main" id="{E410C3B1-720C-4F19-B89B-A7C1ED4B11BA}"/>
+                <a16:creationId xmlns:a16="http://schemas.microsoft.com/office/drawing/2014/main" id="{145C0114-3591-49C1-B2F5-A51BF9F6B2D8}"/>
               </a:ext>
             </a:extLst>
           </p:cNvPr>
@@ -2550,7 +2560,7 @@
           <p:cNvPr id="3" name="Content Placeholder 2">
             <a:extLst>
               <a:ext uri="{FF2B5EF4-FFF2-40B4-BE49-F238E27FC236}">
-                <a16:creationId xmlns:a16="http://schemas.microsoft.com/office/drawing/2014/main" id="{4D3B347E-FC7C-463B-9243-CB7C3CD1228C}"/>
+                <a16:creationId xmlns:a16="http://schemas.microsoft.com/office/drawing/2014/main" id="{4B897780-39D3-4531-9274-3FC0C76BA9C7}"/>
               </a:ext>
             </a:extLst>
           </p:cNvPr>
@@ -2640,7 +2650,7 @@
           <p:cNvPr id="4" name="Text Placeholder 3">
             <a:extLst>
               <a:ext uri="{FF2B5EF4-FFF2-40B4-BE49-F238E27FC236}">
-                <a16:creationId xmlns:a16="http://schemas.microsoft.com/office/drawing/2014/main" id="{6EB12602-8370-41E1-B96E-5E2D39814A43}"/>
+                <a16:creationId xmlns:a16="http://schemas.microsoft.com/office/drawing/2014/main" id="{161A186D-CE93-426C-B061-E9D7136B2E8F}"/>
               </a:ext>
             </a:extLst>
           </p:cNvPr>
@@ -2711,7 +2721,7 @@
           <p:cNvPr id="5" name="Date Placeholder 4">
             <a:extLst>
               <a:ext uri="{FF2B5EF4-FFF2-40B4-BE49-F238E27FC236}">
-                <a16:creationId xmlns:a16="http://schemas.microsoft.com/office/drawing/2014/main" id="{2FAC614C-6B15-4E32-BF76-07A3D09C0567}"/>
+                <a16:creationId xmlns:a16="http://schemas.microsoft.com/office/drawing/2014/main" id="{14924FEF-9E42-4F72-97DA-26EA9226A52D}"/>
               </a:ext>
             </a:extLst>
           </p:cNvPr>
@@ -2729,7 +2739,7 @@
           <a:p>
             <a:fld id="{3180142F-200B-447D-99A1-0B1B9FBC1DDC}" type="datetimeFigureOut">
               <a:rPr lang="en-US" smtClean="0"/>
-              <a:t>7/30/2018</a:t>
+              <a:t>8/2/2018</a:t>
             </a:fld>
             <a:endParaRPr lang="en-US"/>
           </a:p>
@@ -2740,7 +2750,7 @@
           <p:cNvPr id="6" name="Footer Placeholder 5">
             <a:extLst>
               <a:ext uri="{FF2B5EF4-FFF2-40B4-BE49-F238E27FC236}">
-                <a16:creationId xmlns:a16="http://schemas.microsoft.com/office/drawing/2014/main" id="{EED2FF8A-3E2B-49B8-9E05-E68C7ECCD775}"/>
+                <a16:creationId xmlns:a16="http://schemas.microsoft.com/office/drawing/2014/main" id="{2F5B88CD-1A4E-4BE4-80B2-9E4F193BD0FA}"/>
               </a:ext>
             </a:extLst>
           </p:cNvPr>
@@ -2765,7 +2775,7 @@
           <p:cNvPr id="7" name="Slide Number Placeholder 6">
             <a:extLst>
               <a:ext uri="{FF2B5EF4-FFF2-40B4-BE49-F238E27FC236}">
-                <a16:creationId xmlns:a16="http://schemas.microsoft.com/office/drawing/2014/main" id="{2DB54AA5-E11E-449A-87CB-7608928B91AC}"/>
+                <a16:creationId xmlns:a16="http://schemas.microsoft.com/office/drawing/2014/main" id="{72CCE72F-AB05-423C-B0F4-2F5C1E58B51B}"/>
               </a:ext>
             </a:extLst>
           </p:cNvPr>
@@ -2792,7 +2802,7 @@
     </p:spTree>
     <p:extLst>
       <p:ext uri="{BB962C8B-B14F-4D97-AF65-F5344CB8AC3E}">
-        <p14:creationId xmlns:p14="http://schemas.microsoft.com/office/powerpoint/2010/main" val="4023830852"/>
+        <p14:creationId xmlns:p14="http://schemas.microsoft.com/office/powerpoint/2010/main" val="3232637736"/>
       </p:ext>
     </p:extLst>
   </p:cSld>
@@ -2824,7 +2834,7 @@
           <p:cNvPr id="2" name="Title 1">
             <a:extLst>
               <a:ext uri="{FF2B5EF4-FFF2-40B4-BE49-F238E27FC236}">
-                <a16:creationId xmlns:a16="http://schemas.microsoft.com/office/drawing/2014/main" id="{9393F45B-72E5-47AA-AB96-6CAE68F8FE56}"/>
+                <a16:creationId xmlns:a16="http://schemas.microsoft.com/office/drawing/2014/main" id="{75E5E46D-0311-46AD-9A09-0E43A9F4E6D6}"/>
               </a:ext>
             </a:extLst>
           </p:cNvPr>
@@ -2861,7 +2871,7 @@
           <p:cNvPr id="3" name="Picture Placeholder 2">
             <a:extLst>
               <a:ext uri="{FF2B5EF4-FFF2-40B4-BE49-F238E27FC236}">
-                <a16:creationId xmlns:a16="http://schemas.microsoft.com/office/drawing/2014/main" id="{6D803A73-7E17-4B69-AE4F-2563ED771745}"/>
+                <a16:creationId xmlns:a16="http://schemas.microsoft.com/office/drawing/2014/main" id="{598E30D6-778B-41B6-A890-F62D28337700}"/>
               </a:ext>
             </a:extLst>
           </p:cNvPr>
@@ -2928,7 +2938,7 @@
           <p:cNvPr id="4" name="Text Placeholder 3">
             <a:extLst>
               <a:ext uri="{FF2B5EF4-FFF2-40B4-BE49-F238E27FC236}">
-                <a16:creationId xmlns:a16="http://schemas.microsoft.com/office/drawing/2014/main" id="{AEE295E3-6853-4761-B31E-403E23413B60}"/>
+                <a16:creationId xmlns:a16="http://schemas.microsoft.com/office/drawing/2014/main" id="{FCBEB56D-83DC-4A1F-85C2-CED46FDF2512}"/>
               </a:ext>
             </a:extLst>
           </p:cNvPr>
@@ -2999,7 +3009,7 @@
           <p:cNvPr id="5" name="Date Placeholder 4">
             <a:extLst>
               <a:ext uri="{FF2B5EF4-FFF2-40B4-BE49-F238E27FC236}">
-                <a16:creationId xmlns:a16="http://schemas.microsoft.com/office/drawing/2014/main" id="{B259B8BB-B12B-4F5B-9350-619A642A56B1}"/>
+                <a16:creationId xmlns:a16="http://schemas.microsoft.com/office/drawing/2014/main" id="{470AF912-7A55-41B4-BD83-D08AD7666C90}"/>
               </a:ext>
             </a:extLst>
           </p:cNvPr>
@@ -3017,7 +3027,7 @@
           <a:p>
             <a:fld id="{3180142F-200B-447D-99A1-0B1B9FBC1DDC}" type="datetimeFigureOut">
               <a:rPr lang="en-US" smtClean="0"/>
-              <a:t>7/30/2018</a:t>
+              <a:t>8/2/2018</a:t>
             </a:fld>
             <a:endParaRPr lang="en-US"/>
           </a:p>
@@ -3028,7 +3038,7 @@
           <p:cNvPr id="6" name="Footer Placeholder 5">
             <a:extLst>
               <a:ext uri="{FF2B5EF4-FFF2-40B4-BE49-F238E27FC236}">
-                <a16:creationId xmlns:a16="http://schemas.microsoft.com/office/drawing/2014/main" id="{1BA7DE33-DAEF-42AD-BB1B-B2C0E50679E1}"/>
+                <a16:creationId xmlns:a16="http://schemas.microsoft.com/office/drawing/2014/main" id="{D72D7D94-BEA3-4A4D-A0BE-A62701344868}"/>
               </a:ext>
             </a:extLst>
           </p:cNvPr>
@@ -3053,7 +3063,7 @@
           <p:cNvPr id="7" name="Slide Number Placeholder 6">
             <a:extLst>
               <a:ext uri="{FF2B5EF4-FFF2-40B4-BE49-F238E27FC236}">
-                <a16:creationId xmlns:a16="http://schemas.microsoft.com/office/drawing/2014/main" id="{05269A06-8A4E-4572-A8A2-74E5B8AE939C}"/>
+                <a16:creationId xmlns:a16="http://schemas.microsoft.com/office/drawing/2014/main" id="{45CEFB5D-5F40-415D-B6A8-E3A2E3B6944A}"/>
               </a:ext>
             </a:extLst>
           </p:cNvPr>
@@ -3080,7 +3090,7 @@
     </p:spTree>
     <p:extLst>
       <p:ext uri="{BB962C8B-B14F-4D97-AF65-F5344CB8AC3E}">
-        <p14:creationId xmlns:p14="http://schemas.microsoft.com/office/powerpoint/2010/main" val="2559992521"/>
+        <p14:creationId xmlns:p14="http://schemas.microsoft.com/office/powerpoint/2010/main" val="667347291"/>
       </p:ext>
     </p:extLst>
   </p:cSld>
@@ -3117,7 +3127,7 @@
           <p:cNvPr id="2" name="Title Placeholder 1">
             <a:extLst>
               <a:ext uri="{FF2B5EF4-FFF2-40B4-BE49-F238E27FC236}">
-                <a16:creationId xmlns:a16="http://schemas.microsoft.com/office/drawing/2014/main" id="{8A257A1E-D59D-4012-9971-FE04943B1330}"/>
+                <a16:creationId xmlns:a16="http://schemas.microsoft.com/office/drawing/2014/main" id="{CD60D1E6-4D41-4CB3-B647-756D88BC3CB0}"/>
               </a:ext>
             </a:extLst>
           </p:cNvPr>
@@ -3155,7 +3165,7 @@
           <p:cNvPr id="3" name="Text Placeholder 2">
             <a:extLst>
               <a:ext uri="{FF2B5EF4-FFF2-40B4-BE49-F238E27FC236}">
-                <a16:creationId xmlns:a16="http://schemas.microsoft.com/office/drawing/2014/main" id="{1A971610-51EF-48E7-B1DA-87D0F7BB065D}"/>
+                <a16:creationId xmlns:a16="http://schemas.microsoft.com/office/drawing/2014/main" id="{2664DAC0-5F75-4DFA-A0E4-FB0636999718}"/>
               </a:ext>
             </a:extLst>
           </p:cNvPr>
@@ -3222,7 +3232,7 @@
           <p:cNvPr id="4" name="Date Placeholder 3">
             <a:extLst>
               <a:ext uri="{FF2B5EF4-FFF2-40B4-BE49-F238E27FC236}">
-                <a16:creationId xmlns:a16="http://schemas.microsoft.com/office/drawing/2014/main" id="{8F415791-561E-4652-B0AC-C27BD3521591}"/>
+                <a16:creationId xmlns:a16="http://schemas.microsoft.com/office/drawing/2014/main" id="{A77D9D3B-8DE5-4190-9EE5-7556871EAC23}"/>
               </a:ext>
             </a:extLst>
           </p:cNvPr>
@@ -3258,7 +3268,7 @@
           <a:p>
             <a:fld id="{3180142F-200B-447D-99A1-0B1B9FBC1DDC}" type="datetimeFigureOut">
               <a:rPr lang="en-US" smtClean="0"/>
-              <a:t>7/30/2018</a:t>
+              <a:t>8/2/2018</a:t>
             </a:fld>
             <a:endParaRPr lang="en-US"/>
           </a:p>
@@ -3269,7 +3279,7 @@
           <p:cNvPr id="5" name="Footer Placeholder 4">
             <a:extLst>
               <a:ext uri="{FF2B5EF4-FFF2-40B4-BE49-F238E27FC236}">
-                <a16:creationId xmlns:a16="http://schemas.microsoft.com/office/drawing/2014/main" id="{0376070A-A46C-4546-A5B1-8C2A95037087}"/>
+                <a16:creationId xmlns:a16="http://schemas.microsoft.com/office/drawing/2014/main" id="{A822AFDB-B93B-455A-B215-9AAFAD4F9CA4}"/>
               </a:ext>
             </a:extLst>
           </p:cNvPr>
@@ -3312,7 +3322,7 @@
           <p:cNvPr id="6" name="Slide Number Placeholder 5">
             <a:extLst>
               <a:ext uri="{FF2B5EF4-FFF2-40B4-BE49-F238E27FC236}">
-                <a16:creationId xmlns:a16="http://schemas.microsoft.com/office/drawing/2014/main" id="{CA26E3DA-5C46-4E41-B5C9-0A3C68647C00}"/>
+                <a16:creationId xmlns:a16="http://schemas.microsoft.com/office/drawing/2014/main" id="{B5D59FB7-E653-409D-B42D-21820937CF96}"/>
               </a:ext>
             </a:extLst>
           </p:cNvPr>
@@ -3357,23 +3367,23 @@
     </p:spTree>
     <p:extLst>
       <p:ext uri="{BB962C8B-B14F-4D97-AF65-F5344CB8AC3E}">
-        <p14:creationId xmlns:p14="http://schemas.microsoft.com/office/powerpoint/2010/main" val="251430096"/>
+        <p14:creationId xmlns:p14="http://schemas.microsoft.com/office/powerpoint/2010/main" val="2977299033"/>
       </p:ext>
     </p:extLst>
   </p:cSld>
   <p:clrMap bg1="lt1" tx1="dk1" bg2="lt2" tx2="dk2" accent1="accent1" accent2="accent2" accent3="accent3" accent4="accent4" accent5="accent5" accent6="accent6" hlink="hlink" folHlink="folHlink"/>
   <p:sldLayoutIdLst>
-    <p:sldLayoutId id="2147483649" r:id="rId1"/>
-    <p:sldLayoutId id="2147483650" r:id="rId2"/>
-    <p:sldLayoutId id="2147483651" r:id="rId3"/>
-    <p:sldLayoutId id="2147483652" r:id="rId4"/>
-    <p:sldLayoutId id="2147483653" r:id="rId5"/>
-    <p:sldLayoutId id="2147483654" r:id="rId6"/>
-    <p:sldLayoutId id="2147483655" r:id="rId7"/>
-    <p:sldLayoutId id="2147483656" r:id="rId8"/>
-    <p:sldLayoutId id="2147483657" r:id="rId9"/>
-    <p:sldLayoutId id="2147483658" r:id="rId10"/>
-    <p:sldLayoutId id="2147483659" r:id="rId11"/>
+    <p:sldLayoutId id="2147483757" r:id="rId1"/>
+    <p:sldLayoutId id="2147483758" r:id="rId2"/>
+    <p:sldLayoutId id="2147483759" r:id="rId3"/>
+    <p:sldLayoutId id="2147483760" r:id="rId4"/>
+    <p:sldLayoutId id="2147483761" r:id="rId5"/>
+    <p:sldLayoutId id="2147483762" r:id="rId6"/>
+    <p:sldLayoutId id="2147483763" r:id="rId7"/>
+    <p:sldLayoutId id="2147483764" r:id="rId8"/>
+    <p:sldLayoutId id="2147483765" r:id="rId9"/>
+    <p:sldLayoutId id="2147483766" r:id="rId10"/>
+    <p:sldLayoutId id="2147483767" r:id="rId11"/>
   </p:sldLayoutIdLst>
   <p:txStyles>
     <p:titleStyle>
@@ -3661,6 +3671,40 @@
 <file path=ppt/slides/slide1.xml><?xml version="1.0" encoding="utf-8"?>
 <p:sld xmlns:a="http://schemas.openxmlformats.org/drawingml/2006/main" xmlns:r="http://schemas.openxmlformats.org/officeDocument/2006/relationships" xmlns:p="http://schemas.openxmlformats.org/presentationml/2006/main">
   <p:cSld>
+    <p:bg>
+      <p:bgPr>
+        <a:gradFill>
+          <a:gsLst>
+            <a:gs pos="51000">
+              <a:schemeClr val="accent4">
+                <a:lumMod val="40000"/>
+                <a:lumOff val="60000"/>
+              </a:schemeClr>
+            </a:gs>
+            <a:gs pos="35000">
+              <a:schemeClr val="accent4">
+                <a:lumMod val="20000"/>
+                <a:lumOff val="80000"/>
+              </a:schemeClr>
+            </a:gs>
+            <a:gs pos="0">
+              <a:schemeClr val="accent4">
+                <a:lumMod val="40000"/>
+                <a:lumOff val="60000"/>
+              </a:schemeClr>
+            </a:gs>
+            <a:gs pos="79000">
+              <a:schemeClr val="accent4">
+                <a:lumMod val="40000"/>
+                <a:lumOff val="60000"/>
+              </a:schemeClr>
+            </a:gs>
+          </a:gsLst>
+          <a:lin ang="5400000" scaled="1"/>
+        </a:gradFill>
+        <a:effectLst/>
+      </p:bgPr>
+    </p:bg>
     <p:spTree>
       <p:nvGrpSpPr>
         <p:cNvPr id="1" name=""/>
@@ -3680,7 +3724,7 @@
           <p:cNvPr id="2" name="Title 1">
             <a:extLst>
               <a:ext uri="{FF2B5EF4-FFF2-40B4-BE49-F238E27FC236}">
-                <a16:creationId xmlns:a16="http://schemas.microsoft.com/office/drawing/2014/main" id="{924AD91E-2484-438A-87AD-41C7349C6DCB}"/>
+                <a16:creationId xmlns:a16="http://schemas.microsoft.com/office/drawing/2014/main" id="{26560A3F-1E9B-4588-AAB6-EA75C5700FF6}"/>
               </a:ext>
             </a:extLst>
           </p:cNvPr>
@@ -3693,8 +3737,8 @@
         </p:nvSpPr>
         <p:spPr>
           <a:xfrm>
-            <a:off x="1524000" y="850371"/>
-            <a:ext cx="9144000" cy="1003830"/>
+            <a:off x="1524000" y="137263"/>
+            <a:ext cx="9144000" cy="1462937"/>
           </a:xfrm>
         </p:spPr>
         <p:txBody>
@@ -3702,7 +3746,14 @@
           <a:lstStyle/>
           <a:p>
             <a:r>
-              <a:rPr lang="en-US" dirty="0"/>
+              <a:rPr lang="en-US" dirty="0">
+                <a:solidFill>
+                  <a:schemeClr val="accent4">
+                    <a:lumMod val="50000"/>
+                  </a:schemeClr>
+                </a:solidFill>
+                <a:latin typeface="Cooper Black" panose="0208090404030B020404" pitchFamily="18" charset="0"/>
+              </a:rPr>
               <a:t>Fable Farm</a:t>
             </a:r>
           </a:p>
@@ -3713,7 +3764,7 @@
           <p:cNvPr id="3" name="Subtitle 2">
             <a:extLst>
               <a:ext uri="{FF2B5EF4-FFF2-40B4-BE49-F238E27FC236}">
-                <a16:creationId xmlns:a16="http://schemas.microsoft.com/office/drawing/2014/main" id="{6257283B-AEBF-43EE-8026-8B649B4ABFF2}"/>
+                <a16:creationId xmlns:a16="http://schemas.microsoft.com/office/drawing/2014/main" id="{B9D8A6B1-5AFB-495B-B84F-6901FABFBBBF}"/>
               </a:ext>
             </a:extLst>
           </p:cNvPr>
@@ -3724,47 +3775,56 @@
             <p:ph type="subTitle" idx="1"/>
           </p:nvPr>
         </p:nvSpPr>
+        <p:spPr/>
+        <p:txBody>
+          <a:bodyPr/>
+          <a:lstStyle/>
+          <a:p>
+            <a:endParaRPr lang="en-US"/>
+          </a:p>
+        </p:txBody>
+      </p:sp>
+      <p:pic>
+        <p:nvPicPr>
+          <p:cNvPr id="4" name="Picture 3">
+            <a:extLst>
+              <a:ext uri="{FF2B5EF4-FFF2-40B4-BE49-F238E27FC236}">
+                <a16:creationId xmlns:a16="http://schemas.microsoft.com/office/drawing/2014/main" id="{CDF9016E-0843-4939-82AC-0E20DE72C242}"/>
+              </a:ext>
+            </a:extLst>
+          </p:cNvPr>
+          <p:cNvPicPr>
+            <a:picLocks noChangeAspect="1"/>
+          </p:cNvPicPr>
+          <p:nvPr/>
+        </p:nvPicPr>
+        <p:blipFill>
+          <a:blip r:embed="rId2">
+            <a:extLst>
+              <a:ext uri="{28A0092B-C50C-407E-A947-70E740481C1C}">
+                <a14:useLocalDpi xmlns:a14="http://schemas.microsoft.com/office/drawing/2010/main" val="0"/>
+              </a:ext>
+            </a:extLst>
+          </a:blip>
+          <a:stretch>
+            <a:fillRect/>
+          </a:stretch>
+        </p:blipFill>
         <p:spPr>
           <a:xfrm>
-            <a:off x="1524000" y="2744082"/>
-            <a:ext cx="9144000" cy="1655762"/>
+            <a:off x="3537397" y="1797694"/>
+            <a:ext cx="5117206" cy="4181130"/>
           </a:xfrm>
+          <a:prstGeom prst="rect">
+            <a:avLst/>
+          </a:prstGeom>
+          <a:noFill/>
         </p:spPr>
-        <p:txBody>
-          <a:bodyPr>
-            <a:normAutofit lnSpcReduction="10000"/>
-          </a:bodyPr>
-          <a:lstStyle/>
-          <a:p>
-            <a:r>
-              <a:rPr lang="en-US" dirty="0"/>
-              <a:t>Edison Yang</a:t>
-            </a:r>
-          </a:p>
-          <a:p>
-            <a:r>
-              <a:rPr lang="en-US" dirty="0"/>
-              <a:t>Kevin Monahan</a:t>
-            </a:r>
-          </a:p>
-          <a:p>
-            <a:r>
-              <a:rPr lang="en-US" dirty="0"/>
-              <a:t>Jacob Weaver</a:t>
-            </a:r>
-          </a:p>
-          <a:p>
-            <a:r>
-              <a:rPr lang="en-US" dirty="0"/>
-              <a:t>Cary McLaughlin</a:t>
-            </a:r>
-          </a:p>
-        </p:txBody>
-      </p:sp>
+      </p:pic>
     </p:spTree>
     <p:extLst>
       <p:ext uri="{BB962C8B-B14F-4D97-AF65-F5344CB8AC3E}">
-        <p14:creationId xmlns:p14="http://schemas.microsoft.com/office/powerpoint/2010/main" val="2459318578"/>
+        <p14:creationId xmlns:p14="http://schemas.microsoft.com/office/powerpoint/2010/main" val="2783203160"/>
       </p:ext>
     </p:extLst>
   </p:cSld>
@@ -3777,6 +3837,40 @@
 <file path=ppt/slides/slide2.xml><?xml version="1.0" encoding="utf-8"?>
 <p:sld xmlns:a="http://schemas.openxmlformats.org/drawingml/2006/main" xmlns:r="http://schemas.openxmlformats.org/officeDocument/2006/relationships" xmlns:p="http://schemas.openxmlformats.org/presentationml/2006/main">
   <p:cSld>
+    <p:bg>
+      <p:bgPr>
+        <a:gradFill>
+          <a:gsLst>
+            <a:gs pos="2000">
+              <a:schemeClr val="accent4">
+                <a:lumMod val="40000"/>
+                <a:lumOff val="60000"/>
+              </a:schemeClr>
+            </a:gs>
+            <a:gs pos="19000">
+              <a:schemeClr val="accent4">
+                <a:lumMod val="40000"/>
+                <a:lumOff val="60000"/>
+              </a:schemeClr>
+            </a:gs>
+            <a:gs pos="83000">
+              <a:schemeClr val="accent4">
+                <a:lumMod val="20000"/>
+                <a:lumOff val="80000"/>
+              </a:schemeClr>
+            </a:gs>
+            <a:gs pos="100000">
+              <a:schemeClr val="accent4">
+                <a:lumMod val="40000"/>
+                <a:lumOff val="60000"/>
+              </a:schemeClr>
+            </a:gs>
+          </a:gsLst>
+          <a:lin ang="5400000" scaled="1"/>
+        </a:gradFill>
+        <a:effectLst/>
+      </p:bgPr>
+    </p:bg>
     <p:spTree>
       <p:nvGrpSpPr>
         <p:cNvPr id="1" name=""/>
@@ -3796,7 +3890,7 @@
           <p:cNvPr id="2" name="Title 1">
             <a:extLst>
               <a:ext uri="{FF2B5EF4-FFF2-40B4-BE49-F238E27FC236}">
-                <a16:creationId xmlns:a16="http://schemas.microsoft.com/office/drawing/2014/main" id="{8C6E9B0B-51E7-409C-9895-CEEAC68D9066}"/>
+                <a16:creationId xmlns:a16="http://schemas.microsoft.com/office/drawing/2014/main" id="{924AD91E-2484-438A-87AD-41C7349C6DCB}"/>
               </a:ext>
             </a:extLst>
           </p:cNvPr>
@@ -3809,19 +3903,24 @@
         </p:nvSpPr>
         <p:spPr>
           <a:xfrm>
-            <a:off x="1524000" y="248357"/>
-            <a:ext cx="9144000" cy="1174044"/>
+            <a:off x="1374227" y="235516"/>
+            <a:ext cx="9144000" cy="1003830"/>
           </a:xfrm>
         </p:spPr>
         <p:txBody>
-          <a:bodyPr>
-            <a:normAutofit/>
-          </a:bodyPr>
-          <a:lstStyle/>
-          <a:p>
-            <a:r>
-              <a:rPr lang="en-US" dirty="0"/>
-              <a:t>Idea Phase</a:t>
+          <a:bodyPr/>
+          <a:lstStyle/>
+          <a:p>
+            <a:r>
+              <a:rPr lang="en-US" dirty="0">
+                <a:solidFill>
+                  <a:schemeClr val="accent4">
+                    <a:lumMod val="50000"/>
+                  </a:schemeClr>
+                </a:solidFill>
+                <a:latin typeface="Bahnschrift SemiBold" panose="020B0502040204020203" pitchFamily="34" charset="0"/>
+              </a:rPr>
+              <a:t>Developers</a:t>
             </a:r>
           </a:p>
         </p:txBody>
@@ -3831,7 +3930,7 @@
           <p:cNvPr id="3" name="Subtitle 2">
             <a:extLst>
               <a:ext uri="{FF2B5EF4-FFF2-40B4-BE49-F238E27FC236}">
-                <a16:creationId xmlns:a16="http://schemas.microsoft.com/office/drawing/2014/main" id="{68E01BA7-9666-4372-94B0-90C24B39EEE1}"/>
+                <a16:creationId xmlns:a16="http://schemas.microsoft.com/office/drawing/2014/main" id="{6257283B-AEBF-43EE-8026-8B649B4ABFF2}"/>
               </a:ext>
             </a:extLst>
           </p:cNvPr>
@@ -3844,74 +3943,73 @@
         </p:nvSpPr>
         <p:spPr>
           <a:xfrm>
-            <a:off x="2551288" y="1522589"/>
-            <a:ext cx="7450667" cy="3812822"/>
+            <a:off x="1524000" y="2601119"/>
+            <a:ext cx="9144000" cy="1655762"/>
           </a:xfrm>
         </p:spPr>
         <p:txBody>
-          <a:bodyPr/>
-          <a:lstStyle/>
-          <a:p>
-            <a:pPr algn="l"/>
-            <a:endParaRPr lang="en-US" sz="3200" dirty="0"/>
-          </a:p>
-          <a:p>
-            <a:pPr marL="342900" indent="-342900" algn="l">
-              <a:buFont typeface="Arial" panose="020B0604020202020204" pitchFamily="34" charset="0"/>
-              <a:buChar char="•"/>
-            </a:pPr>
-            <a:r>
-              <a:rPr lang="en-US" sz="3200" dirty="0"/>
-              <a:t>Merchandising Site for MN Loons</a:t>
-            </a:r>
-          </a:p>
-          <a:p>
-            <a:pPr marL="342900" indent="-342900" algn="l">
-              <a:buFont typeface="Arial" panose="020B0604020202020204" pitchFamily="34" charset="0"/>
-              <a:buChar char="•"/>
-            </a:pPr>
-            <a:endParaRPr lang="en-US" sz="3200" dirty="0"/>
-          </a:p>
-          <a:p>
-            <a:pPr marL="342900" indent="-342900" algn="l">
-              <a:buFont typeface="Arial" panose="020B0604020202020204" pitchFamily="34" charset="0"/>
-              <a:buChar char="•"/>
-            </a:pPr>
-            <a:r>
-              <a:rPr lang="en-US" sz="3200" dirty="0"/>
-              <a:t>Inventory Management and Marketing Site for Farmers Market</a:t>
-            </a:r>
-          </a:p>
-          <a:p>
-            <a:pPr marL="342900" indent="-342900" algn="l">
-              <a:buFont typeface="Arial" panose="020B0604020202020204" pitchFamily="34" charset="0"/>
-              <a:buChar char="•"/>
-            </a:pPr>
-            <a:endParaRPr lang="en-US" sz="3200" dirty="0"/>
-          </a:p>
-          <a:p>
-            <a:pPr marL="342900" indent="-342900" algn="l">
-              <a:buFont typeface="Arial" panose="020B0604020202020204" pitchFamily="34" charset="0"/>
-              <a:buChar char="•"/>
-            </a:pPr>
-            <a:r>
-              <a:rPr lang="en-US" sz="3200" dirty="0"/>
-              <a:t>Fable Farm</a:t>
-            </a:r>
-          </a:p>
-          <a:p>
-            <a:pPr marL="342900" indent="-342900">
-              <a:buFont typeface="Arial" panose="020B0604020202020204" pitchFamily="34" charset="0"/>
-              <a:buChar char="•"/>
-            </a:pPr>
-            <a:endParaRPr lang="en-US" dirty="0"/>
+          <a:bodyPr>
+            <a:noAutofit/>
+          </a:bodyPr>
+          <a:lstStyle/>
+          <a:p>
+            <a:r>
+              <a:rPr lang="en-US" sz="6000" dirty="0">
+                <a:solidFill>
+                  <a:schemeClr val="accent4">
+                    <a:lumMod val="50000"/>
+                  </a:schemeClr>
+                </a:solidFill>
+                <a:latin typeface="Bahnschrift SemiBold" panose="020B0502040204020203" pitchFamily="34" charset="0"/>
+              </a:rPr>
+              <a:t>Edison Yang</a:t>
+            </a:r>
+          </a:p>
+          <a:p>
+            <a:r>
+              <a:rPr lang="en-US" sz="6000" dirty="0">
+                <a:solidFill>
+                  <a:schemeClr val="accent4">
+                    <a:lumMod val="50000"/>
+                  </a:schemeClr>
+                </a:solidFill>
+                <a:latin typeface="Bahnschrift SemiBold" panose="020B0502040204020203" pitchFamily="34" charset="0"/>
+              </a:rPr>
+              <a:t>Kevin Monahan</a:t>
+            </a:r>
+          </a:p>
+          <a:p>
+            <a:r>
+              <a:rPr lang="en-US" sz="6000" dirty="0">
+                <a:solidFill>
+                  <a:schemeClr val="accent4">
+                    <a:lumMod val="50000"/>
+                  </a:schemeClr>
+                </a:solidFill>
+                <a:latin typeface="Bahnschrift SemiBold" panose="020B0502040204020203" pitchFamily="34" charset="0"/>
+              </a:rPr>
+              <a:t>Jacob Weaver</a:t>
+            </a:r>
+          </a:p>
+          <a:p>
+            <a:r>
+              <a:rPr lang="en-US" sz="6000" dirty="0">
+                <a:solidFill>
+                  <a:schemeClr val="accent4">
+                    <a:lumMod val="50000"/>
+                  </a:schemeClr>
+                </a:solidFill>
+                <a:latin typeface="Bahnschrift SemiBold" panose="020B0502040204020203" pitchFamily="34" charset="0"/>
+              </a:rPr>
+              <a:t>Cary McLaughlin</a:t>
+            </a:r>
           </a:p>
         </p:txBody>
       </p:sp>
     </p:spTree>
     <p:extLst>
       <p:ext uri="{BB962C8B-B14F-4D97-AF65-F5344CB8AC3E}">
-        <p14:creationId xmlns:p14="http://schemas.microsoft.com/office/powerpoint/2010/main" val="673308453"/>
+        <p14:creationId xmlns:p14="http://schemas.microsoft.com/office/powerpoint/2010/main" val="2459318578"/>
       </p:ext>
     </p:extLst>
   </p:cSld>
@@ -3924,6 +4022,40 @@
 <file path=ppt/slides/slide3.xml><?xml version="1.0" encoding="utf-8"?>
 <p:sld xmlns:a="http://schemas.openxmlformats.org/drawingml/2006/main" xmlns:r="http://schemas.openxmlformats.org/officeDocument/2006/relationships" xmlns:p="http://schemas.openxmlformats.org/presentationml/2006/main">
   <p:cSld>
+    <p:bg>
+      <p:bgPr>
+        <a:gradFill>
+          <a:gsLst>
+            <a:gs pos="29000">
+              <a:schemeClr val="accent4">
+                <a:lumMod val="20000"/>
+                <a:lumOff val="80000"/>
+              </a:schemeClr>
+            </a:gs>
+            <a:gs pos="1000">
+              <a:schemeClr val="accent4">
+                <a:lumMod val="20000"/>
+                <a:lumOff val="80000"/>
+              </a:schemeClr>
+            </a:gs>
+            <a:gs pos="60000">
+              <a:schemeClr val="accent4">
+                <a:lumMod val="40000"/>
+                <a:lumOff val="60000"/>
+              </a:schemeClr>
+            </a:gs>
+            <a:gs pos="79000">
+              <a:schemeClr val="accent4">
+                <a:lumMod val="20000"/>
+                <a:lumOff val="80000"/>
+              </a:schemeClr>
+            </a:gs>
+          </a:gsLst>
+          <a:lin ang="5400000" scaled="1"/>
+        </a:gradFill>
+        <a:effectLst/>
+      </p:bgPr>
+    </p:bg>
     <p:spTree>
       <p:nvGrpSpPr>
         <p:cNvPr id="1" name=""/>
@@ -3940,6 +4072,656 @@
       </p:grpSpPr>
       <p:sp>
         <p:nvSpPr>
+          <p:cNvPr id="2" name="Title 1">
+            <a:extLst>
+              <a:ext uri="{FF2B5EF4-FFF2-40B4-BE49-F238E27FC236}">
+                <a16:creationId xmlns:a16="http://schemas.microsoft.com/office/drawing/2014/main" id="{8C6E9B0B-51E7-409C-9895-CEEAC68D9066}"/>
+              </a:ext>
+            </a:extLst>
+          </p:cNvPr>
+          <p:cNvSpPr>
+            <a:spLocks noGrp="1"/>
+          </p:cNvSpPr>
+          <p:nvPr>
+            <p:ph type="ctrTitle"/>
+          </p:nvPr>
+        </p:nvSpPr>
+        <p:spPr>
+          <a:xfrm>
+            <a:off x="1587062" y="90703"/>
+            <a:ext cx="9144000" cy="1174044"/>
+          </a:xfrm>
+          <a:solidFill>
+            <a:schemeClr val="accent6">
+              <a:lumMod val="40000"/>
+              <a:lumOff val="60000"/>
+              <a:alpha val="0"/>
+            </a:schemeClr>
+          </a:solidFill>
+        </p:spPr>
+        <p:style>
+          <a:lnRef idx="2">
+            <a:schemeClr val="accent6"/>
+          </a:lnRef>
+          <a:fillRef idx="1">
+            <a:schemeClr val="lt1"/>
+          </a:fillRef>
+          <a:effectRef idx="0">
+            <a:schemeClr val="accent6"/>
+          </a:effectRef>
+          <a:fontRef idx="minor">
+            <a:schemeClr val="dk1"/>
+          </a:fontRef>
+        </p:style>
+        <p:txBody>
+          <a:bodyPr>
+            <a:normAutofit/>
+          </a:bodyPr>
+          <a:lstStyle/>
+          <a:p>
+            <a:r>
+              <a:rPr lang="en-US" dirty="0">
+                <a:solidFill>
+                  <a:schemeClr val="accent4">
+                    <a:lumMod val="50000"/>
+                  </a:schemeClr>
+                </a:solidFill>
+                <a:latin typeface="Bahnschrift SemiBold" panose="020B0502040204020203" pitchFamily="34" charset="0"/>
+              </a:rPr>
+              <a:t>Idea Phase</a:t>
+            </a:r>
+          </a:p>
+        </p:txBody>
+      </p:sp>
+      <p:sp>
+        <p:nvSpPr>
+          <p:cNvPr id="3" name="Subtitle 2">
+            <a:extLst>
+              <a:ext uri="{FF2B5EF4-FFF2-40B4-BE49-F238E27FC236}">
+                <a16:creationId xmlns:a16="http://schemas.microsoft.com/office/drawing/2014/main" id="{68E01BA7-9666-4372-94B0-90C24B39EEE1}"/>
+              </a:ext>
+            </a:extLst>
+          </p:cNvPr>
+          <p:cNvSpPr>
+            <a:spLocks noGrp="1"/>
+          </p:cNvSpPr>
+          <p:nvPr>
+            <p:ph type="subTitle" idx="1"/>
+          </p:nvPr>
+        </p:nvSpPr>
+        <p:spPr>
+          <a:xfrm>
+            <a:off x="2433728" y="1522589"/>
+            <a:ext cx="7450667" cy="3812822"/>
+          </a:xfrm>
+          <a:solidFill>
+            <a:schemeClr val="accent6">
+              <a:lumMod val="40000"/>
+              <a:lumOff val="60000"/>
+              <a:alpha val="0"/>
+            </a:schemeClr>
+          </a:solidFill>
+        </p:spPr>
+        <p:txBody>
+          <a:bodyPr>
+            <a:normAutofit/>
+          </a:bodyPr>
+          <a:lstStyle/>
+          <a:p>
+            <a:pPr algn="l"/>
+            <a:endParaRPr lang="en-US" sz="3200" dirty="0">
+              <a:solidFill>
+                <a:schemeClr val="accent4">
+                  <a:lumMod val="50000"/>
+                </a:schemeClr>
+              </a:solidFill>
+              <a:latin typeface="Bahnschrift SemiBold" panose="020B0502040204020203" pitchFamily="34" charset="0"/>
+            </a:endParaRPr>
+          </a:p>
+          <a:p>
+            <a:pPr marL="342900" indent="-342900" algn="l">
+              <a:buFont typeface="Arial" panose="020B0604020202020204" pitchFamily="34" charset="0"/>
+              <a:buChar char="•"/>
+            </a:pPr>
+            <a:r>
+              <a:rPr lang="en-US" sz="3200" dirty="0">
+                <a:solidFill>
+                  <a:schemeClr val="accent4">
+                    <a:lumMod val="50000"/>
+                  </a:schemeClr>
+                </a:solidFill>
+                <a:latin typeface="Bahnschrift SemiBold" panose="020B0502040204020203" pitchFamily="34" charset="0"/>
+              </a:rPr>
+              <a:t>Merchandising Site for MN Loons</a:t>
+            </a:r>
+          </a:p>
+          <a:p>
+            <a:pPr marL="342900" indent="-342900" algn="l">
+              <a:buFont typeface="Arial" panose="020B0604020202020204" pitchFamily="34" charset="0"/>
+              <a:buChar char="•"/>
+            </a:pPr>
+            <a:endParaRPr lang="en-US" sz="3200" dirty="0">
+              <a:solidFill>
+                <a:schemeClr val="accent4">
+                  <a:lumMod val="50000"/>
+                </a:schemeClr>
+              </a:solidFill>
+              <a:latin typeface="Bahnschrift SemiBold" panose="020B0502040204020203" pitchFamily="34" charset="0"/>
+            </a:endParaRPr>
+          </a:p>
+          <a:p>
+            <a:pPr marL="342900" indent="-342900" algn="l">
+              <a:buFont typeface="Arial" panose="020B0604020202020204" pitchFamily="34" charset="0"/>
+              <a:buChar char="•"/>
+            </a:pPr>
+            <a:r>
+              <a:rPr lang="en-US" sz="3200" dirty="0">
+                <a:solidFill>
+                  <a:schemeClr val="accent4">
+                    <a:lumMod val="50000"/>
+                  </a:schemeClr>
+                </a:solidFill>
+                <a:latin typeface="Bahnschrift SemiBold" panose="020B0502040204020203" pitchFamily="34" charset="0"/>
+              </a:rPr>
+              <a:t>Inventory Management and Marketing Site for Farmers Market</a:t>
+            </a:r>
+          </a:p>
+          <a:p>
+            <a:pPr marL="342900" indent="-342900" algn="l">
+              <a:buFont typeface="Arial" panose="020B0604020202020204" pitchFamily="34" charset="0"/>
+              <a:buChar char="•"/>
+            </a:pPr>
+            <a:endParaRPr lang="en-US" sz="3200" dirty="0">
+              <a:solidFill>
+                <a:schemeClr val="accent4">
+                  <a:lumMod val="50000"/>
+                </a:schemeClr>
+              </a:solidFill>
+              <a:latin typeface="Bahnschrift SemiBold" panose="020B0502040204020203" pitchFamily="34" charset="0"/>
+            </a:endParaRPr>
+          </a:p>
+          <a:p>
+            <a:pPr marL="342900" indent="-342900" algn="l">
+              <a:buFont typeface="Arial" panose="020B0604020202020204" pitchFamily="34" charset="0"/>
+              <a:buChar char="•"/>
+            </a:pPr>
+            <a:r>
+              <a:rPr lang="en-US" sz="3200" dirty="0">
+                <a:solidFill>
+                  <a:schemeClr val="accent4">
+                    <a:lumMod val="50000"/>
+                  </a:schemeClr>
+                </a:solidFill>
+                <a:latin typeface="Bahnschrift SemiBold" panose="020B0502040204020203" pitchFamily="34" charset="0"/>
+              </a:rPr>
+              <a:t>Fable Farm</a:t>
+            </a:r>
+          </a:p>
+          <a:p>
+            <a:pPr marL="342900" indent="-342900">
+              <a:buFont typeface="Arial" panose="020B0604020202020204" pitchFamily="34" charset="0"/>
+              <a:buChar char="•"/>
+            </a:pPr>
+            <a:endParaRPr lang="en-US" dirty="0"/>
+          </a:p>
+        </p:txBody>
+      </p:sp>
+    </p:spTree>
+    <p:extLst>
+      <p:ext uri="{BB962C8B-B14F-4D97-AF65-F5344CB8AC3E}">
+        <p14:creationId xmlns:p14="http://schemas.microsoft.com/office/powerpoint/2010/main" val="673308453"/>
+      </p:ext>
+    </p:extLst>
+  </p:cSld>
+  <p:clrMapOvr>
+    <a:masterClrMapping/>
+  </p:clrMapOvr>
+</p:sld>
+</file>
+
+<file path=ppt/slides/slide4.xml><?xml version="1.0" encoding="utf-8"?>
+<p:sld xmlns:a="http://schemas.openxmlformats.org/drawingml/2006/main" xmlns:r="http://schemas.openxmlformats.org/officeDocument/2006/relationships" xmlns:p="http://schemas.openxmlformats.org/presentationml/2006/main">
+  <p:cSld>
+    <p:bg>
+      <p:bgPr>
+        <a:gradFill>
+          <a:gsLst>
+            <a:gs pos="0">
+              <a:schemeClr val="accent4">
+                <a:lumMod val="20000"/>
+                <a:lumOff val="80000"/>
+              </a:schemeClr>
+            </a:gs>
+            <a:gs pos="18000">
+              <a:schemeClr val="accent4">
+                <a:lumMod val="40000"/>
+                <a:lumOff val="60000"/>
+              </a:schemeClr>
+            </a:gs>
+            <a:gs pos="83000">
+              <a:schemeClr val="accent4">
+                <a:lumMod val="40000"/>
+                <a:lumOff val="60000"/>
+              </a:schemeClr>
+            </a:gs>
+            <a:gs pos="100000">
+              <a:schemeClr val="accent4">
+                <a:lumMod val="40000"/>
+                <a:lumOff val="60000"/>
+              </a:schemeClr>
+            </a:gs>
+          </a:gsLst>
+          <a:lin ang="5400000" scaled="1"/>
+        </a:gradFill>
+        <a:effectLst/>
+      </p:bgPr>
+    </p:bg>
+    <p:spTree>
+      <p:nvGrpSpPr>
+        <p:cNvPr id="1" name=""/>
+        <p:cNvGrpSpPr/>
+        <p:nvPr/>
+      </p:nvGrpSpPr>
+      <p:grpSpPr>
+        <a:xfrm>
+          <a:off x="0" y="0"/>
+          <a:ext cx="0" cy="0"/>
+          <a:chOff x="0" y="0"/>
+          <a:chExt cx="0" cy="0"/>
+        </a:xfrm>
+      </p:grpSpPr>
+      <p:sp>
+        <p:nvSpPr>
+          <p:cNvPr id="2" name="Title 1">
+            <a:extLst>
+              <a:ext uri="{FF2B5EF4-FFF2-40B4-BE49-F238E27FC236}">
+                <a16:creationId xmlns:a16="http://schemas.microsoft.com/office/drawing/2014/main" id="{924AD91E-2484-438A-87AD-41C7349C6DCB}"/>
+              </a:ext>
+            </a:extLst>
+          </p:cNvPr>
+          <p:cNvSpPr>
+            <a:spLocks noGrp="1"/>
+          </p:cNvSpPr>
+          <p:nvPr>
+            <p:ph type="ctrTitle"/>
+          </p:nvPr>
+        </p:nvSpPr>
+        <p:spPr>
+          <a:xfrm>
+            <a:off x="1374227" y="235516"/>
+            <a:ext cx="9144000" cy="1003830"/>
+          </a:xfrm>
+        </p:spPr>
+        <p:txBody>
+          <a:bodyPr/>
+          <a:lstStyle/>
+          <a:p>
+            <a:r>
+              <a:rPr lang="en-US" dirty="0">
+                <a:solidFill>
+                  <a:schemeClr val="accent4">
+                    <a:lumMod val="50000"/>
+                  </a:schemeClr>
+                </a:solidFill>
+                <a:latin typeface="Bahnschrift SemiBold" panose="020B0502040204020203" pitchFamily="34" charset="0"/>
+              </a:rPr>
+              <a:t>Concept</a:t>
+            </a:r>
+          </a:p>
+        </p:txBody>
+      </p:sp>
+      <p:sp>
+        <p:nvSpPr>
+          <p:cNvPr id="3" name="Subtitle 2">
+            <a:extLst>
+              <a:ext uri="{FF2B5EF4-FFF2-40B4-BE49-F238E27FC236}">
+                <a16:creationId xmlns:a16="http://schemas.microsoft.com/office/drawing/2014/main" id="{6257283B-AEBF-43EE-8026-8B649B4ABFF2}"/>
+              </a:ext>
+            </a:extLst>
+          </p:cNvPr>
+          <p:cNvSpPr>
+            <a:spLocks noGrp="1"/>
+          </p:cNvSpPr>
+          <p:nvPr>
+            <p:ph type="subTitle" idx="1"/>
+          </p:nvPr>
+        </p:nvSpPr>
+        <p:spPr>
+          <a:xfrm>
+            <a:off x="1319048" y="2074048"/>
+            <a:ext cx="9144000" cy="1655762"/>
+          </a:xfrm>
+        </p:spPr>
+        <p:txBody>
+          <a:bodyPr>
+            <a:noAutofit/>
+          </a:bodyPr>
+          <a:lstStyle/>
+          <a:p>
+            <a:endParaRPr lang="en-US" sz="3600" dirty="0">
+              <a:solidFill>
+                <a:schemeClr val="accent4">
+                  <a:lumMod val="50000"/>
+                </a:schemeClr>
+              </a:solidFill>
+            </a:endParaRPr>
+          </a:p>
+        </p:txBody>
+      </p:sp>
+      <p:pic>
+        <p:nvPicPr>
+          <p:cNvPr id="4" name="Picture 3">
+            <a:extLst>
+              <a:ext uri="{FF2B5EF4-FFF2-40B4-BE49-F238E27FC236}">
+                <a16:creationId xmlns:a16="http://schemas.microsoft.com/office/drawing/2014/main" id="{051F4385-B75D-4C66-A026-7D9B476E2C07}"/>
+              </a:ext>
+            </a:extLst>
+          </p:cNvPr>
+          <p:cNvPicPr>
+            <a:picLocks noChangeAspect="1"/>
+          </p:cNvPicPr>
+          <p:nvPr/>
+        </p:nvPicPr>
+        <p:blipFill>
+          <a:blip r:embed="rId2"/>
+          <a:stretch>
+            <a:fillRect/>
+          </a:stretch>
+        </p:blipFill>
+        <p:spPr>
+          <a:xfrm>
+            <a:off x="950372" y="1239346"/>
+            <a:ext cx="10544175" cy="5438775"/>
+          </a:xfrm>
+          <a:prstGeom prst="rect">
+            <a:avLst/>
+          </a:prstGeom>
+        </p:spPr>
+      </p:pic>
+    </p:spTree>
+    <p:extLst>
+      <p:ext uri="{BB962C8B-B14F-4D97-AF65-F5344CB8AC3E}">
+        <p14:creationId xmlns:p14="http://schemas.microsoft.com/office/powerpoint/2010/main" val="4183400037"/>
+      </p:ext>
+    </p:extLst>
+  </p:cSld>
+  <p:clrMapOvr>
+    <a:masterClrMapping/>
+  </p:clrMapOvr>
+</p:sld>
+</file>
+
+<file path=ppt/slides/slide5.xml><?xml version="1.0" encoding="utf-8"?>
+<p:sld xmlns:a="http://schemas.openxmlformats.org/drawingml/2006/main" xmlns:r="http://schemas.openxmlformats.org/officeDocument/2006/relationships" xmlns:p="http://schemas.openxmlformats.org/presentationml/2006/main">
+  <p:cSld>
+    <p:bg>
+      <p:bgPr>
+        <a:gradFill>
+          <a:gsLst>
+            <a:gs pos="38000">
+              <a:schemeClr val="accent4">
+                <a:lumMod val="20000"/>
+                <a:lumOff val="80000"/>
+              </a:schemeClr>
+            </a:gs>
+            <a:gs pos="58000">
+              <a:schemeClr val="accent4">
+                <a:lumMod val="40000"/>
+                <a:lumOff val="60000"/>
+              </a:schemeClr>
+            </a:gs>
+            <a:gs pos="83000">
+              <a:schemeClr val="accent4">
+                <a:lumMod val="40000"/>
+                <a:lumOff val="60000"/>
+              </a:schemeClr>
+            </a:gs>
+            <a:gs pos="100000">
+              <a:schemeClr val="accent4">
+                <a:lumMod val="40000"/>
+                <a:lumOff val="60000"/>
+              </a:schemeClr>
+            </a:gs>
+          </a:gsLst>
+          <a:lin ang="5400000" scaled="1"/>
+        </a:gradFill>
+        <a:effectLst/>
+      </p:bgPr>
+    </p:bg>
+    <p:spTree>
+      <p:nvGrpSpPr>
+        <p:cNvPr id="1" name=""/>
+        <p:cNvGrpSpPr/>
+        <p:nvPr/>
+      </p:nvGrpSpPr>
+      <p:grpSpPr>
+        <a:xfrm>
+          <a:off x="0" y="0"/>
+          <a:ext cx="0" cy="0"/>
+          <a:chOff x="0" y="0"/>
+          <a:chExt cx="0" cy="0"/>
+        </a:xfrm>
+      </p:grpSpPr>
+      <p:sp>
+        <p:nvSpPr>
+          <p:cNvPr id="2" name="Title 1">
+            <a:extLst>
+              <a:ext uri="{FF2B5EF4-FFF2-40B4-BE49-F238E27FC236}">
+                <a16:creationId xmlns:a16="http://schemas.microsoft.com/office/drawing/2014/main" id="{CDB1C129-163F-41FF-A32F-CE73A41A6BFE}"/>
+              </a:ext>
+            </a:extLst>
+          </p:cNvPr>
+          <p:cNvSpPr>
+            <a:spLocks noGrp="1"/>
+          </p:cNvSpPr>
+          <p:nvPr>
+            <p:ph type="title"/>
+          </p:nvPr>
+        </p:nvSpPr>
+        <p:spPr>
+          <a:noFill/>
+        </p:spPr>
+        <p:txBody>
+          <a:bodyPr/>
+          <a:lstStyle/>
+          <a:p>
+            <a:pPr algn="ctr"/>
+            <a:r>
+              <a:rPr lang="en-US" dirty="0">
+                <a:solidFill>
+                  <a:schemeClr val="accent4">
+                    <a:lumMod val="50000"/>
+                  </a:schemeClr>
+                </a:solidFill>
+                <a:latin typeface="Bahnschrift SemiBold" panose="020B0502040204020203" pitchFamily="34" charset="0"/>
+              </a:rPr>
+              <a:t>Specs</a:t>
+            </a:r>
+          </a:p>
+        </p:txBody>
+      </p:sp>
+      <p:sp>
+        <p:nvSpPr>
+          <p:cNvPr id="3" name="Content Placeholder 2">
+            <a:extLst>
+              <a:ext uri="{FF2B5EF4-FFF2-40B4-BE49-F238E27FC236}">
+                <a16:creationId xmlns:a16="http://schemas.microsoft.com/office/drawing/2014/main" id="{EE6B432D-15C2-4205-91AF-3BD9A25CE9FC}"/>
+              </a:ext>
+            </a:extLst>
+          </p:cNvPr>
+          <p:cNvSpPr>
+            <a:spLocks noGrp="1"/>
+          </p:cNvSpPr>
+          <p:nvPr>
+            <p:ph idx="1"/>
+          </p:nvPr>
+        </p:nvSpPr>
+        <p:spPr>
+          <a:xfrm>
+            <a:off x="252919" y="1825625"/>
+            <a:ext cx="11731557" cy="4351338"/>
+          </a:xfrm>
+          <a:solidFill>
+            <a:schemeClr val="bg1">
+              <a:alpha val="0"/>
+            </a:schemeClr>
+          </a:solidFill>
+        </p:spPr>
+        <p:txBody>
+          <a:bodyPr/>
+          <a:lstStyle/>
+          <a:p>
+            <a:r>
+              <a:rPr lang="en-US" sz="3600" dirty="0">
+                <a:solidFill>
+                  <a:schemeClr val="accent4">
+                    <a:lumMod val="50000"/>
+                  </a:schemeClr>
+                </a:solidFill>
+                <a:latin typeface="Bahnschrift SemiBold" panose="020B0502040204020203" pitchFamily="34" charset="0"/>
+              </a:rPr>
+              <a:t>Uses MySQL2, Express, Body Parser</a:t>
+            </a:r>
+          </a:p>
+          <a:p>
+            <a:endParaRPr lang="en-US" sz="3600" dirty="0">
+              <a:solidFill>
+                <a:schemeClr val="accent4">
+                  <a:lumMod val="50000"/>
+                </a:schemeClr>
+              </a:solidFill>
+              <a:latin typeface="Bahnschrift SemiBold" panose="020B0502040204020203" pitchFamily="34" charset="0"/>
+            </a:endParaRPr>
+          </a:p>
+          <a:p>
+            <a:r>
+              <a:rPr lang="en-US" sz="3600" dirty="0">
+                <a:solidFill>
+                  <a:schemeClr val="accent4">
+                    <a:lumMod val="50000"/>
+                  </a:schemeClr>
+                </a:solidFill>
+                <a:latin typeface="Bahnschrift SemiBold" panose="020B0502040204020203" pitchFamily="34" charset="0"/>
+              </a:rPr>
+              <a:t>“New Tech”: Firebase Authentication &amp; Cookie Parser</a:t>
+            </a:r>
+          </a:p>
+          <a:p>
+            <a:endParaRPr lang="en-US" sz="3600" dirty="0">
+              <a:solidFill>
+                <a:schemeClr val="accent4">
+                  <a:lumMod val="50000"/>
+                </a:schemeClr>
+              </a:solidFill>
+              <a:latin typeface="Bahnschrift SemiBold" panose="020B0502040204020203" pitchFamily="34" charset="0"/>
+            </a:endParaRPr>
+          </a:p>
+          <a:p>
+            <a:r>
+              <a:rPr lang="en-US" sz="3600" dirty="0">
+                <a:solidFill>
+                  <a:schemeClr val="accent4">
+                    <a:lumMod val="50000"/>
+                  </a:schemeClr>
+                </a:solidFill>
+                <a:latin typeface="Bahnschrift SemiBold" panose="020B0502040204020203" pitchFamily="34" charset="0"/>
+              </a:rPr>
+              <a:t>Front end: Bootstrap, </a:t>
+            </a:r>
+            <a:r>
+              <a:rPr lang="en-US" sz="3600" dirty="0" err="1">
+                <a:solidFill>
+                  <a:schemeClr val="accent4">
+                    <a:lumMod val="50000"/>
+                  </a:schemeClr>
+                </a:solidFill>
+                <a:latin typeface="Bahnschrift SemiBold" panose="020B0502040204020203" pitchFamily="34" charset="0"/>
+              </a:rPr>
+              <a:t>Jqeury</a:t>
+            </a:r>
+            <a:endParaRPr lang="en-US" sz="3600" dirty="0">
+              <a:solidFill>
+                <a:schemeClr val="accent4">
+                  <a:lumMod val="50000"/>
+                </a:schemeClr>
+              </a:solidFill>
+              <a:latin typeface="Bahnschrift SemiBold" panose="020B0502040204020203" pitchFamily="34" charset="0"/>
+            </a:endParaRPr>
+          </a:p>
+          <a:p>
+            <a:endParaRPr lang="en-US" dirty="0"/>
+          </a:p>
+        </p:txBody>
+      </p:sp>
+    </p:spTree>
+    <p:extLst>
+      <p:ext uri="{BB962C8B-B14F-4D97-AF65-F5344CB8AC3E}">
+        <p14:creationId xmlns:p14="http://schemas.microsoft.com/office/powerpoint/2010/main" val="1856636913"/>
+      </p:ext>
+    </p:extLst>
+  </p:cSld>
+  <p:clrMapOvr>
+    <a:masterClrMapping/>
+  </p:clrMapOvr>
+</p:sld>
+</file>
+
+<file path=ppt/slides/slide6.xml><?xml version="1.0" encoding="utf-8"?>
+<p:sld xmlns:a="http://schemas.openxmlformats.org/drawingml/2006/main" xmlns:r="http://schemas.openxmlformats.org/officeDocument/2006/relationships" xmlns:p="http://schemas.openxmlformats.org/presentationml/2006/main">
+  <p:cSld>
+    <p:bg>
+      <p:bgPr>
+        <a:gradFill>
+          <a:gsLst>
+            <a:gs pos="51000">
+              <a:schemeClr val="accent4"/>
+            </a:gs>
+            <a:gs pos="35000">
+              <a:schemeClr val="accent4">
+                <a:lumMod val="60000"/>
+                <a:lumOff val="40000"/>
+              </a:schemeClr>
+            </a:gs>
+            <a:gs pos="99000">
+              <a:schemeClr val="accent4">
+                <a:lumMod val="60000"/>
+                <a:lumOff val="40000"/>
+              </a:schemeClr>
+            </a:gs>
+            <a:gs pos="0">
+              <a:schemeClr val="accent4">
+                <a:lumMod val="20000"/>
+                <a:lumOff val="80000"/>
+              </a:schemeClr>
+            </a:gs>
+            <a:gs pos="93000">
+              <a:schemeClr val="accent4">
+                <a:lumMod val="20000"/>
+                <a:lumOff val="80000"/>
+              </a:schemeClr>
+            </a:gs>
+          </a:gsLst>
+          <a:lin ang="5400000" scaled="1"/>
+        </a:gradFill>
+        <a:effectLst/>
+      </p:bgPr>
+    </p:bg>
+    <p:spTree>
+      <p:nvGrpSpPr>
+        <p:cNvPr id="1" name=""/>
+        <p:cNvGrpSpPr/>
+        <p:nvPr/>
+      </p:nvGrpSpPr>
+      <p:grpSpPr>
+        <a:xfrm>
+          <a:off x="0" y="0"/>
+          <a:ext cx="0" cy="0"/>
+          <a:chOff x="0" y="0"/>
+          <a:chExt cx="0" cy="0"/>
+        </a:xfrm>
+      </p:grpSpPr>
+      <p:sp>
+        <p:nvSpPr>
           <p:cNvPr id="4" name="TextBox 3">
             <a:extLst>
               <a:ext uri="{FF2B5EF4-FFF2-40B4-BE49-F238E27FC236}">
@@ -3952,8 +4734,8 @@
         </p:nvSpPr>
         <p:spPr>
           <a:xfrm>
-            <a:off x="4289778" y="180622"/>
-            <a:ext cx="6829778" cy="369332"/>
+            <a:off x="2830628" y="424059"/>
+            <a:ext cx="6829778" cy="769441"/>
           </a:xfrm>
           <a:prstGeom prst="rect">
             <a:avLst/>
@@ -3966,8 +4748,16 @@
           </a:bodyPr>
           <a:lstStyle/>
           <a:p>
-            <a:r>
-              <a:rPr lang="en-US" dirty="0"/>
+            <a:pPr algn="ctr"/>
+            <a:r>
+              <a:rPr lang="en-US" sz="4400" dirty="0">
+                <a:solidFill>
+                  <a:schemeClr val="accent4">
+                    <a:lumMod val="50000"/>
+                  </a:schemeClr>
+                </a:solidFill>
+                <a:latin typeface="Bahnschrift SemiBold" panose="020B0502040204020203" pitchFamily="34" charset="0"/>
+              </a:rPr>
               <a:t>Fable Farm Initial Planning</a:t>
             </a:r>
           </a:p>
@@ -4007,6 +4797,395 @@
     <p:extLst>
       <p:ext uri="{BB962C8B-B14F-4D97-AF65-F5344CB8AC3E}">
         <p14:creationId xmlns:p14="http://schemas.microsoft.com/office/powerpoint/2010/main" val="613727236"/>
+      </p:ext>
+    </p:extLst>
+  </p:cSld>
+  <p:clrMapOvr>
+    <a:masterClrMapping/>
+  </p:clrMapOvr>
+</p:sld>
+</file>
+
+<file path=ppt/slides/slide7.xml><?xml version="1.0" encoding="utf-8"?>
+<p:sld xmlns:a="http://schemas.openxmlformats.org/drawingml/2006/main" xmlns:r="http://schemas.openxmlformats.org/officeDocument/2006/relationships" xmlns:p="http://schemas.openxmlformats.org/presentationml/2006/main">
+  <p:cSld>
+    <p:bg>
+      <p:bgPr>
+        <a:gradFill>
+          <a:gsLst>
+            <a:gs pos="9000">
+              <a:schemeClr val="accent4">
+                <a:lumMod val="20000"/>
+                <a:lumOff val="80000"/>
+              </a:schemeClr>
+            </a:gs>
+            <a:gs pos="35000">
+              <a:schemeClr val="accent4">
+                <a:lumMod val="40000"/>
+                <a:lumOff val="60000"/>
+              </a:schemeClr>
+            </a:gs>
+            <a:gs pos="57000">
+              <a:schemeClr val="accent4">
+                <a:lumMod val="20000"/>
+                <a:lumOff val="80000"/>
+              </a:schemeClr>
+            </a:gs>
+            <a:gs pos="72000">
+              <a:schemeClr val="accent4">
+                <a:lumMod val="40000"/>
+                <a:lumOff val="60000"/>
+              </a:schemeClr>
+            </a:gs>
+          </a:gsLst>
+          <a:lin ang="5400000" scaled="1"/>
+        </a:gradFill>
+        <a:effectLst/>
+      </p:bgPr>
+    </p:bg>
+    <p:spTree>
+      <p:nvGrpSpPr>
+        <p:cNvPr id="1" name=""/>
+        <p:cNvGrpSpPr/>
+        <p:nvPr/>
+      </p:nvGrpSpPr>
+      <p:grpSpPr>
+        <a:xfrm>
+          <a:off x="0" y="0"/>
+          <a:ext cx="0" cy="0"/>
+          <a:chOff x="0" y="0"/>
+          <a:chExt cx="0" cy="0"/>
+        </a:xfrm>
+      </p:grpSpPr>
+      <p:sp>
+        <p:nvSpPr>
+          <p:cNvPr id="2" name="Title 1">
+            <a:extLst>
+              <a:ext uri="{FF2B5EF4-FFF2-40B4-BE49-F238E27FC236}">
+                <a16:creationId xmlns:a16="http://schemas.microsoft.com/office/drawing/2014/main" id="{C7BE420E-66F4-4A6D-B7A9-D93C867A5030}"/>
+              </a:ext>
+            </a:extLst>
+          </p:cNvPr>
+          <p:cNvSpPr>
+            <a:spLocks noGrp="1"/>
+          </p:cNvSpPr>
+          <p:nvPr>
+            <p:ph type="title"/>
+          </p:nvPr>
+        </p:nvSpPr>
+        <p:spPr/>
+        <p:txBody>
+          <a:bodyPr/>
+          <a:lstStyle/>
+          <a:p>
+            <a:pPr algn="ctr"/>
+            <a:r>
+              <a:rPr lang="en-US" dirty="0">
+                <a:solidFill>
+                  <a:schemeClr val="accent4">
+                    <a:lumMod val="50000"/>
+                  </a:schemeClr>
+                </a:solidFill>
+                <a:latin typeface="Bahnschrift SemiBold" panose="020B0502040204020203" pitchFamily="34" charset="0"/>
+              </a:rPr>
+              <a:t>Timeline</a:t>
+            </a:r>
+          </a:p>
+        </p:txBody>
+      </p:sp>
+      <p:sp>
+        <p:nvSpPr>
+          <p:cNvPr id="3" name="Content Placeholder 2">
+            <a:extLst>
+              <a:ext uri="{FF2B5EF4-FFF2-40B4-BE49-F238E27FC236}">
+                <a16:creationId xmlns:a16="http://schemas.microsoft.com/office/drawing/2014/main" id="{9C137F26-26BB-4892-B5C6-F837DF1CF912}"/>
+              </a:ext>
+            </a:extLst>
+          </p:cNvPr>
+          <p:cNvSpPr>
+            <a:spLocks noGrp="1"/>
+          </p:cNvSpPr>
+          <p:nvPr>
+            <p:ph idx="1"/>
+          </p:nvPr>
+        </p:nvSpPr>
+        <p:spPr>
+          <a:solidFill>
+            <a:schemeClr val="bg1">
+              <a:alpha val="0"/>
+            </a:schemeClr>
+          </a:solidFill>
+        </p:spPr>
+        <p:txBody>
+          <a:bodyPr>
+            <a:normAutofit fontScale="92500" lnSpcReduction="20000"/>
+          </a:bodyPr>
+          <a:lstStyle/>
+          <a:p>
+            <a:r>
+              <a:rPr lang="en-US" dirty="0">
+                <a:solidFill>
+                  <a:schemeClr val="accent4">
+                    <a:lumMod val="50000"/>
+                  </a:schemeClr>
+                </a:solidFill>
+                <a:latin typeface="Bahnschrift SemiBold" panose="020B0502040204020203" pitchFamily="34" charset="0"/>
+              </a:rPr>
+              <a:t>Day 1: Choose Project, Assign duties</a:t>
+            </a:r>
+          </a:p>
+          <a:p>
+            <a:endParaRPr lang="en-US" dirty="0">
+              <a:solidFill>
+                <a:schemeClr val="accent4">
+                  <a:lumMod val="50000"/>
+                </a:schemeClr>
+              </a:solidFill>
+              <a:latin typeface="Bahnschrift SemiBold" panose="020B0502040204020203" pitchFamily="34" charset="0"/>
+            </a:endParaRPr>
+          </a:p>
+          <a:p>
+            <a:r>
+              <a:rPr lang="en-US" dirty="0">
+                <a:solidFill>
+                  <a:schemeClr val="accent4">
+                    <a:lumMod val="50000"/>
+                  </a:schemeClr>
+                </a:solidFill>
+                <a:latin typeface="Bahnschrift SemiBold" panose="020B0502040204020203" pitchFamily="34" charset="0"/>
+              </a:rPr>
+              <a:t>Day 2: Wireframe, Early HTML, Routes Built, Database Started, Initial Firebase Authentication, </a:t>
+            </a:r>
+          </a:p>
+          <a:p>
+            <a:endParaRPr lang="en-US" dirty="0">
+              <a:solidFill>
+                <a:schemeClr val="accent4">
+                  <a:lumMod val="50000"/>
+                </a:schemeClr>
+              </a:solidFill>
+              <a:latin typeface="Bahnschrift SemiBold" panose="020B0502040204020203" pitchFamily="34" charset="0"/>
+            </a:endParaRPr>
+          </a:p>
+          <a:p>
+            <a:r>
+              <a:rPr lang="en-US" dirty="0">
+                <a:solidFill>
+                  <a:schemeClr val="accent4">
+                    <a:lumMod val="50000"/>
+                  </a:schemeClr>
+                </a:solidFill>
+                <a:latin typeface="Bahnschrift SemiBold" panose="020B0502040204020203" pitchFamily="34" charset="0"/>
+              </a:rPr>
+              <a:t>Day 3: Initial </a:t>
+            </a:r>
+            <a:r>
+              <a:rPr lang="en-US">
+                <a:solidFill>
+                  <a:schemeClr val="accent4">
+                    <a:lumMod val="50000"/>
+                  </a:schemeClr>
+                </a:solidFill>
+                <a:latin typeface="Bahnschrift SemiBold" panose="020B0502040204020203" pitchFamily="34" charset="0"/>
+              </a:rPr>
+              <a:t>Testing w/ Postman, </a:t>
+            </a:r>
+            <a:r>
+              <a:rPr lang="en-US" dirty="0">
+                <a:solidFill>
+                  <a:schemeClr val="accent4">
+                    <a:lumMod val="50000"/>
+                  </a:schemeClr>
+                </a:solidFill>
+                <a:latin typeface="Bahnschrift SemiBold" panose="020B0502040204020203" pitchFamily="34" charset="0"/>
+              </a:rPr>
+              <a:t>Connecting Front and Back Ends, Considering Design Flaws, Firebase Authentication Operational, Initial Cookie</a:t>
+            </a:r>
+          </a:p>
+          <a:p>
+            <a:endParaRPr lang="en-US" dirty="0">
+              <a:solidFill>
+                <a:schemeClr val="accent4">
+                  <a:lumMod val="50000"/>
+                </a:schemeClr>
+              </a:solidFill>
+              <a:latin typeface="Bahnschrift SemiBold" panose="020B0502040204020203" pitchFamily="34" charset="0"/>
+            </a:endParaRPr>
+          </a:p>
+          <a:p>
+            <a:r>
+              <a:rPr lang="en-US" dirty="0">
+                <a:solidFill>
+                  <a:schemeClr val="accent4">
+                    <a:lumMod val="50000"/>
+                  </a:schemeClr>
+                </a:solidFill>
+                <a:latin typeface="Bahnschrift SemiBold" panose="020B0502040204020203" pitchFamily="34" charset="0"/>
+              </a:rPr>
+              <a:t>Day 4: Further Testing, Front to Back End Connection, Cookies Connecting Locally, Initial Deployment, Further Testing, Final Functionality Completed, Front End Design and Logo Implemented</a:t>
+            </a:r>
+          </a:p>
+        </p:txBody>
+      </p:sp>
+    </p:spTree>
+    <p:extLst>
+      <p:ext uri="{BB962C8B-B14F-4D97-AF65-F5344CB8AC3E}">
+        <p14:creationId xmlns:p14="http://schemas.microsoft.com/office/powerpoint/2010/main" val="2229833481"/>
+      </p:ext>
+    </p:extLst>
+  </p:cSld>
+  <p:clrMapOvr>
+    <a:masterClrMapping/>
+  </p:clrMapOvr>
+</p:sld>
+</file>
+
+<file path=ppt/slides/slide8.xml><?xml version="1.0" encoding="utf-8"?>
+<p:sld xmlns:a="http://schemas.openxmlformats.org/drawingml/2006/main" xmlns:r="http://schemas.openxmlformats.org/officeDocument/2006/relationships" xmlns:p="http://schemas.openxmlformats.org/presentationml/2006/main">
+  <p:cSld>
+    <p:bg>
+      <p:bgPr>
+        <a:gradFill>
+          <a:gsLst>
+            <a:gs pos="9000">
+              <a:schemeClr val="accent4">
+                <a:lumMod val="20000"/>
+                <a:lumOff val="80000"/>
+              </a:schemeClr>
+            </a:gs>
+            <a:gs pos="35000">
+              <a:schemeClr val="accent4">
+                <a:lumMod val="40000"/>
+                <a:lumOff val="60000"/>
+              </a:schemeClr>
+            </a:gs>
+            <a:gs pos="57000">
+              <a:schemeClr val="accent4">
+                <a:lumMod val="20000"/>
+                <a:lumOff val="80000"/>
+              </a:schemeClr>
+            </a:gs>
+            <a:gs pos="72000">
+              <a:schemeClr val="accent4">
+                <a:lumMod val="40000"/>
+                <a:lumOff val="60000"/>
+              </a:schemeClr>
+            </a:gs>
+          </a:gsLst>
+          <a:lin ang="5400000" scaled="1"/>
+        </a:gradFill>
+        <a:effectLst/>
+      </p:bgPr>
+    </p:bg>
+    <p:spTree>
+      <p:nvGrpSpPr>
+        <p:cNvPr id="1" name=""/>
+        <p:cNvGrpSpPr/>
+        <p:nvPr/>
+      </p:nvGrpSpPr>
+      <p:grpSpPr>
+        <a:xfrm>
+          <a:off x="0" y="0"/>
+          <a:ext cx="0" cy="0"/>
+          <a:chOff x="0" y="0"/>
+          <a:chExt cx="0" cy="0"/>
+        </a:xfrm>
+      </p:grpSpPr>
+      <p:sp>
+        <p:nvSpPr>
+          <p:cNvPr id="2" name="Title 1">
+            <a:extLst>
+              <a:ext uri="{FF2B5EF4-FFF2-40B4-BE49-F238E27FC236}">
+                <a16:creationId xmlns:a16="http://schemas.microsoft.com/office/drawing/2014/main" id="{5C60B49C-5BEA-485D-AF8F-6542FD7BB09F}"/>
+              </a:ext>
+            </a:extLst>
+          </p:cNvPr>
+          <p:cNvSpPr>
+            <a:spLocks noGrp="1"/>
+          </p:cNvSpPr>
+          <p:nvPr>
+            <p:ph type="title"/>
+          </p:nvPr>
+        </p:nvSpPr>
+        <p:spPr/>
+        <p:txBody>
+          <a:bodyPr/>
+          <a:lstStyle/>
+          <a:p>
+            <a:pPr algn="ctr"/>
+            <a:r>
+              <a:rPr lang="en-US" dirty="0">
+                <a:solidFill>
+                  <a:schemeClr val="accent4">
+                    <a:lumMod val="50000"/>
+                  </a:schemeClr>
+                </a:solidFill>
+                <a:latin typeface="Bahnschrift SemiBold" panose="020B0502040204020203" pitchFamily="34" charset="0"/>
+              </a:rPr>
+              <a:t>Firebase</a:t>
+            </a:r>
+          </a:p>
+        </p:txBody>
+      </p:sp>
+      <p:sp>
+        <p:nvSpPr>
+          <p:cNvPr id="3" name="Content Placeholder 2">
+            <a:extLst>
+              <a:ext uri="{FF2B5EF4-FFF2-40B4-BE49-F238E27FC236}">
+                <a16:creationId xmlns:a16="http://schemas.microsoft.com/office/drawing/2014/main" id="{2ECEFE9E-FF85-487D-A9A2-FEF27E69B67B}"/>
+              </a:ext>
+            </a:extLst>
+          </p:cNvPr>
+          <p:cNvSpPr>
+            <a:spLocks noGrp="1"/>
+          </p:cNvSpPr>
+          <p:nvPr>
+            <p:ph idx="1"/>
+          </p:nvPr>
+        </p:nvSpPr>
+        <p:spPr/>
+        <p:txBody>
+          <a:bodyPr/>
+          <a:lstStyle/>
+          <a:p>
+            <a:endParaRPr lang="en-US" dirty="0"/>
+          </a:p>
+        </p:txBody>
+      </p:sp>
+      <p:pic>
+        <p:nvPicPr>
+          <p:cNvPr id="5" name="Picture 4">
+            <a:extLst>
+              <a:ext uri="{FF2B5EF4-FFF2-40B4-BE49-F238E27FC236}">
+                <a16:creationId xmlns:a16="http://schemas.microsoft.com/office/drawing/2014/main" id="{63C88FA1-3D48-4492-96C0-B54CA20DA98C}"/>
+              </a:ext>
+            </a:extLst>
+          </p:cNvPr>
+          <p:cNvPicPr>
+            <a:picLocks noChangeAspect="1"/>
+          </p:cNvPicPr>
+          <p:nvPr/>
+        </p:nvPicPr>
+        <p:blipFill>
+          <a:blip r:embed="rId2"/>
+          <a:stretch>
+            <a:fillRect/>
+          </a:stretch>
+        </p:blipFill>
+        <p:spPr>
+          <a:xfrm>
+            <a:off x="0" y="1690688"/>
+            <a:ext cx="12192000" cy="3336084"/>
+          </a:xfrm>
+          <a:prstGeom prst="rect">
+            <a:avLst/>
+          </a:prstGeom>
+        </p:spPr>
+      </p:pic>
+    </p:spTree>
+    <p:extLst>
+      <p:ext uri="{BB962C8B-B14F-4D97-AF65-F5344CB8AC3E}">
+        <p14:creationId xmlns:p14="http://schemas.microsoft.com/office/powerpoint/2010/main" val="1133536993"/>
       </p:ext>
     </p:extLst>
   </p:cSld>
